--- a/presentacion/Taller de integracion.pptx
+++ b/presentacion/Taller de integracion.pptx
@@ -7,26 +7,21 @@
     <p:sldMasterId id="2147483672" r:id="rId3"/>
   </p:sldMasterIdLst>
   <p:notesMasterIdLst>
-    <p:notesMasterId r:id="rId16"/>
+    <p:notesMasterId r:id="rId11"/>
   </p:notesMasterIdLst>
   <p:handoutMasterIdLst>
-    <p:handoutMasterId r:id="rId17"/>
+    <p:handoutMasterId r:id="rId12"/>
   </p:handoutMasterIdLst>
   <p:sldIdLst>
     <p:sldId id="256" r:id="rId4"/>
     <p:sldId id="257" r:id="rId5"/>
-    <p:sldId id="258" r:id="rId6"/>
-    <p:sldId id="259" r:id="rId7"/>
-    <p:sldId id="260" r:id="rId8"/>
-    <p:sldId id="261" r:id="rId9"/>
-    <p:sldId id="265" r:id="rId10"/>
-    <p:sldId id="266" r:id="rId11"/>
-    <p:sldId id="267" r:id="rId12"/>
-    <p:sldId id="262" r:id="rId13"/>
-    <p:sldId id="263" r:id="rId14"/>
-    <p:sldId id="264" r:id="rId15"/>
+    <p:sldId id="259" r:id="rId6"/>
+    <p:sldId id="265" r:id="rId7"/>
+    <p:sldId id="258" r:id="rId8"/>
+    <p:sldId id="263" r:id="rId9"/>
+    <p:sldId id="264" r:id="rId10"/>
   </p:sldIdLst>
-  <p:sldSz cx="11998325" cy="7559675" type="screen4x3"/>
+  <p:sldSz cx="11998325" cy="7559675"/>
   <p:notesSz cx="7559675" cy="10691813"/>
   <p:defaultTextStyle>
     <a:defPPr>
@@ -827,6 +822,10 @@
           </p:nvPr>
         </p:nvSpPr>
         <p:spPr>
+          <a:xfrm>
+            <a:off x="812800" y="1117600"/>
+            <a:ext cx="5932488" cy="3738563"/>
+          </a:xfrm>
           <a:solidFill>
             <a:srgbClr val="CFE7F5"/>
           </a:solidFill>
@@ -1025,7 +1024,7 @@
           <a:lstStyle/>
           <a:p>
             <a:pPr lvl="0"/>
-            <a:fld id="{DF6C8757-48E4-4CE9-8BFD-607C4643AA84}" type="datetimeFigureOut">
+            <a:fld id="{42C21D26-E50A-4390-8C39-AFDEC74AF1D4}" type="datetimeFigureOut">
               <a:t>02-10-2017</a:t>
             </a:fld>
             <a:endParaRPr lang="x-none"/>
@@ -1050,7 +1049,7 @@
           <a:lstStyle/>
           <a:p>
             <a:pPr lvl="0"/>
-            <a:fld id="{F24C019D-DA1F-4905-BC3B-2F63D8792569}" type="slidenum">
+            <a:fld id="{BF89C6EF-6B69-4582-99F3-C48029A062AB}" type="slidenum">
               <a:t>3</a:t>
             </a:fld>
             <a:endParaRPr lang="x-none"/>
@@ -1145,7 +1144,7 @@
           <a:lstStyle/>
           <a:p>
             <a:pPr lvl="0"/>
-            <a:fld id="{42C21D26-E50A-4390-8C39-AFDEC74AF1D4}" type="datetimeFigureOut">
+            <a:fld id="{DF6C8757-48E4-4CE9-8BFD-607C4643AA84}" type="datetimeFigureOut">
               <a:t>02-10-2017</a:t>
             </a:fld>
             <a:endParaRPr lang="x-none"/>
@@ -1170,8 +1169,8 @@
           <a:lstStyle/>
           <a:p>
             <a:pPr lvl="0"/>
-            <a:fld id="{BF89C6EF-6B69-4582-99F3-C48029A062AB}" type="slidenum">
-              <a:t>4</a:t>
+            <a:fld id="{F24C019D-DA1F-4905-BC3B-2F63D8792569}" type="slidenum">
+              <a:t>5</a:t>
             </a:fld>
             <a:endParaRPr lang="x-none"/>
           </a:p>
@@ -1188,6 +1187,10 @@
           </p:nvPr>
         </p:nvSpPr>
         <p:spPr>
+          <a:xfrm>
+            <a:off x="812800" y="1117600"/>
+            <a:ext cx="5932488" cy="3738563"/>
+          </a:xfrm>
           <a:solidFill>
             <a:srgbClr val="CFE7F5"/>
           </a:solidFill>
@@ -1261,7 +1264,7 @@
           <a:lstStyle/>
           <a:p>
             <a:pPr lvl="0"/>
-            <a:fld id="{58B70CC3-93F6-479A-9495-59DF8EB667FA}" type="datetimeFigureOut">
+            <a:fld id="{46F0AAAE-1EAA-4925-9730-9EBA37E6CC4A}" type="datetimeFigureOut">
               <a:t>02-10-2017</a:t>
             </a:fld>
             <a:endParaRPr lang="x-none"/>
@@ -1286,8 +1289,8 @@
           <a:lstStyle/>
           <a:p>
             <a:pPr lvl="0"/>
-            <a:fld id="{677CD331-73D5-4A0F-ABB3-4A085ED9ECFD}" type="slidenum">
-              <a:t>5</a:t>
+            <a:fld id="{6005951E-8A2A-4DDF-A5B0-6D32A70BBFC9}" type="slidenum">
+              <a:t>6</a:t>
             </a:fld>
             <a:endParaRPr lang="x-none"/>
           </a:p>
@@ -1381,354 +1384,6 @@
           <a:lstStyle/>
           <a:p>
             <a:pPr lvl="0"/>
-            <a:fld id="{46666537-E3D2-43F5-8B07-74C4D50BB853}" type="datetimeFigureOut">
-              <a:t>02-10-2017</a:t>
-            </a:fld>
-            <a:endParaRPr lang="x-none"/>
-          </a:p>
-        </p:txBody>
-      </p:sp>
-      <p:sp>
-        <p:nvSpPr>
-          <p:cNvPr id="7" name="6 Marcador de número de diapositiva"/>
-          <p:cNvSpPr txBox="1">
-            <a:spLocks noGrp="1"/>
-          </p:cNvSpPr>
-          <p:nvPr>
-            <p:ph type="sldNum" sz="quarter" idx="5"/>
-          </p:nvPr>
-        </p:nvSpPr>
-        <p:spPr>
-          <a:ln/>
-        </p:spPr>
-        <p:txBody>
-          <a:bodyPr lIns="0" tIns="0" rIns="0" bIns="0" anchor="b" anchorCtr="0"/>
-          <a:lstStyle/>
-          <a:p>
-            <a:pPr lvl="0"/>
-            <a:fld id="{AA224C26-5BE7-43BA-A2F4-5F0C59135E37}" type="slidenum">
-              <a:t>6</a:t>
-            </a:fld>
-            <a:endParaRPr lang="x-none"/>
-          </a:p>
-        </p:txBody>
-      </p:sp>
-      <p:sp>
-        <p:nvSpPr>
-          <p:cNvPr id="2" name="1 Marcador de imagen de diapositiva"/>
-          <p:cNvSpPr>
-            <a:spLocks noGrp="1" noRot="1" noChangeAspect="1" noResize="1"/>
-          </p:cNvSpPr>
-          <p:nvPr>
-            <p:ph type="sldImg"/>
-          </p:nvPr>
-        </p:nvSpPr>
-        <p:spPr>
-          <a:solidFill>
-            <a:srgbClr val="CFE7F5"/>
-          </a:solidFill>
-          <a:ln w="25400">
-            <a:solidFill>
-              <a:srgbClr val="808080"/>
-            </a:solidFill>
-            <a:prstDash val="solid"/>
-          </a:ln>
-        </p:spPr>
-      </p:sp>
-      <p:sp>
-        <p:nvSpPr>
-          <p:cNvPr id="3" name="2 Marcador de notas"/>
-          <p:cNvSpPr txBox="1">
-            <a:spLocks noGrp="1"/>
-          </p:cNvSpPr>
-          <p:nvPr>
-            <p:ph type="body" sz="quarter" idx="1"/>
-          </p:nvPr>
-        </p:nvSpPr>
-        <p:spPr/>
-        <p:txBody>
-          <a:bodyPr/>
-          <a:lstStyle/>
-          <a:p>
-            <a:endParaRPr lang="x-none"/>
-          </a:p>
-        </p:txBody>
-      </p:sp>
-    </p:spTree>
-  </p:cSld>
-  <p:clrMapOvr>
-    <a:masterClrMapping/>
-  </p:clrMapOvr>
-</p:notes>
-</file>
-
-<file path=ppt/notesSlides/notesSlide7.xml><?xml version="1.0" encoding="utf-8"?>
-<p:notes xmlns:a="http://schemas.openxmlformats.org/drawingml/2006/main" xmlns:r="http://schemas.openxmlformats.org/officeDocument/2006/relationships" xmlns:p="http://schemas.openxmlformats.org/presentationml/2006/main">
-  <p:cSld>
-    <p:spTree>
-      <p:nvGrpSpPr>
-        <p:cNvPr id="1" name=""/>
-        <p:cNvGrpSpPr/>
-        <p:nvPr/>
-      </p:nvGrpSpPr>
-      <p:grpSpPr>
-        <a:xfrm>
-          <a:off x="0" y="0"/>
-          <a:ext cx="0" cy="0"/>
-          <a:chOff x="0" y="0"/>
-          <a:chExt cx="0" cy="0"/>
-        </a:xfrm>
-      </p:grpSpPr>
-      <p:sp>
-        <p:nvSpPr>
-          <p:cNvPr id="5" name="4 Marcador de fecha"/>
-          <p:cNvSpPr txBox="1">
-            <a:spLocks noGrp="1"/>
-          </p:cNvSpPr>
-          <p:nvPr>
-            <p:ph type="dt" idx="1"/>
-          </p:nvPr>
-        </p:nvSpPr>
-        <p:spPr>
-          <a:ln/>
-        </p:spPr>
-        <p:txBody>
-          <a:bodyPr lIns="0" tIns="0" rIns="0" bIns="0" anchorCtr="0"/>
-          <a:lstStyle/>
-          <a:p>
-            <a:pPr lvl="0"/>
-            <a:fld id="{C6F241C0-5783-4366-9E35-7F1ED4591F8A}" type="datetimeFigureOut">
-              <a:t>02-10-2017</a:t>
-            </a:fld>
-            <a:endParaRPr lang="x-none"/>
-          </a:p>
-        </p:txBody>
-      </p:sp>
-      <p:sp>
-        <p:nvSpPr>
-          <p:cNvPr id="7" name="6 Marcador de número de diapositiva"/>
-          <p:cNvSpPr txBox="1">
-            <a:spLocks noGrp="1"/>
-          </p:cNvSpPr>
-          <p:nvPr>
-            <p:ph type="sldNum" sz="quarter" idx="5"/>
-          </p:nvPr>
-        </p:nvSpPr>
-        <p:spPr>
-          <a:ln/>
-        </p:spPr>
-        <p:txBody>
-          <a:bodyPr lIns="0" tIns="0" rIns="0" bIns="0" anchor="b" anchorCtr="0"/>
-          <a:lstStyle/>
-          <a:p>
-            <a:pPr lvl="0"/>
-            <a:fld id="{0E4EE7CC-2C43-4363-B3B7-801F6116CE31}" type="slidenum">
-              <a:t>10</a:t>
-            </a:fld>
-            <a:endParaRPr lang="x-none"/>
-          </a:p>
-        </p:txBody>
-      </p:sp>
-      <p:sp>
-        <p:nvSpPr>
-          <p:cNvPr id="2" name="1 Marcador de imagen de diapositiva"/>
-          <p:cNvSpPr>
-            <a:spLocks noGrp="1" noRot="1" noChangeAspect="1" noResize="1"/>
-          </p:cNvSpPr>
-          <p:nvPr>
-            <p:ph type="sldImg"/>
-          </p:nvPr>
-        </p:nvSpPr>
-        <p:spPr>
-          <a:solidFill>
-            <a:srgbClr val="CFE7F5"/>
-          </a:solidFill>
-          <a:ln w="25400">
-            <a:solidFill>
-              <a:srgbClr val="808080"/>
-            </a:solidFill>
-            <a:prstDash val="solid"/>
-          </a:ln>
-        </p:spPr>
-      </p:sp>
-      <p:sp>
-        <p:nvSpPr>
-          <p:cNvPr id="3" name="2 Marcador de notas"/>
-          <p:cNvSpPr txBox="1">
-            <a:spLocks noGrp="1"/>
-          </p:cNvSpPr>
-          <p:nvPr>
-            <p:ph type="body" sz="quarter" idx="1"/>
-          </p:nvPr>
-        </p:nvSpPr>
-        <p:spPr/>
-        <p:txBody>
-          <a:bodyPr/>
-          <a:lstStyle/>
-          <a:p>
-            <a:endParaRPr lang="x-none"/>
-          </a:p>
-        </p:txBody>
-      </p:sp>
-    </p:spTree>
-  </p:cSld>
-  <p:clrMapOvr>
-    <a:masterClrMapping/>
-  </p:clrMapOvr>
-</p:notes>
-</file>
-
-<file path=ppt/notesSlides/notesSlide8.xml><?xml version="1.0" encoding="utf-8"?>
-<p:notes xmlns:a="http://schemas.openxmlformats.org/drawingml/2006/main" xmlns:r="http://schemas.openxmlformats.org/officeDocument/2006/relationships" xmlns:p="http://schemas.openxmlformats.org/presentationml/2006/main">
-  <p:cSld>
-    <p:spTree>
-      <p:nvGrpSpPr>
-        <p:cNvPr id="1" name=""/>
-        <p:cNvGrpSpPr/>
-        <p:nvPr/>
-      </p:nvGrpSpPr>
-      <p:grpSpPr>
-        <a:xfrm>
-          <a:off x="0" y="0"/>
-          <a:ext cx="0" cy="0"/>
-          <a:chOff x="0" y="0"/>
-          <a:chExt cx="0" cy="0"/>
-        </a:xfrm>
-      </p:grpSpPr>
-      <p:sp>
-        <p:nvSpPr>
-          <p:cNvPr id="5" name="4 Marcador de fecha"/>
-          <p:cNvSpPr txBox="1">
-            <a:spLocks noGrp="1"/>
-          </p:cNvSpPr>
-          <p:nvPr>
-            <p:ph type="dt" idx="1"/>
-          </p:nvPr>
-        </p:nvSpPr>
-        <p:spPr>
-          <a:ln/>
-        </p:spPr>
-        <p:txBody>
-          <a:bodyPr lIns="0" tIns="0" rIns="0" bIns="0" anchorCtr="0"/>
-          <a:lstStyle/>
-          <a:p>
-            <a:pPr lvl="0"/>
-            <a:fld id="{46F0AAAE-1EAA-4925-9730-9EBA37E6CC4A}" type="datetimeFigureOut">
-              <a:t>02-10-2017</a:t>
-            </a:fld>
-            <a:endParaRPr lang="x-none"/>
-          </a:p>
-        </p:txBody>
-      </p:sp>
-      <p:sp>
-        <p:nvSpPr>
-          <p:cNvPr id="7" name="6 Marcador de número de diapositiva"/>
-          <p:cNvSpPr txBox="1">
-            <a:spLocks noGrp="1"/>
-          </p:cNvSpPr>
-          <p:nvPr>
-            <p:ph type="sldNum" sz="quarter" idx="5"/>
-          </p:nvPr>
-        </p:nvSpPr>
-        <p:spPr>
-          <a:ln/>
-        </p:spPr>
-        <p:txBody>
-          <a:bodyPr lIns="0" tIns="0" rIns="0" bIns="0" anchor="b" anchorCtr="0"/>
-          <a:lstStyle/>
-          <a:p>
-            <a:pPr lvl="0"/>
-            <a:fld id="{6005951E-8A2A-4DDF-A5B0-6D32A70BBFC9}" type="slidenum">
-              <a:t>11</a:t>
-            </a:fld>
-            <a:endParaRPr lang="x-none"/>
-          </a:p>
-        </p:txBody>
-      </p:sp>
-      <p:sp>
-        <p:nvSpPr>
-          <p:cNvPr id="2" name="1 Marcador de imagen de diapositiva"/>
-          <p:cNvSpPr>
-            <a:spLocks noGrp="1" noRot="1" noChangeAspect="1" noResize="1"/>
-          </p:cNvSpPr>
-          <p:nvPr>
-            <p:ph type="sldImg"/>
-          </p:nvPr>
-        </p:nvSpPr>
-        <p:spPr>
-          <a:solidFill>
-            <a:srgbClr val="CFE7F5"/>
-          </a:solidFill>
-          <a:ln w="25400">
-            <a:solidFill>
-              <a:srgbClr val="808080"/>
-            </a:solidFill>
-            <a:prstDash val="solid"/>
-          </a:ln>
-        </p:spPr>
-      </p:sp>
-      <p:sp>
-        <p:nvSpPr>
-          <p:cNvPr id="3" name="2 Marcador de notas"/>
-          <p:cNvSpPr txBox="1">
-            <a:spLocks noGrp="1"/>
-          </p:cNvSpPr>
-          <p:nvPr>
-            <p:ph type="body" sz="quarter" idx="1"/>
-          </p:nvPr>
-        </p:nvSpPr>
-        <p:spPr/>
-        <p:txBody>
-          <a:bodyPr/>
-          <a:lstStyle/>
-          <a:p>
-            <a:endParaRPr lang="x-none"/>
-          </a:p>
-        </p:txBody>
-      </p:sp>
-    </p:spTree>
-  </p:cSld>
-  <p:clrMapOvr>
-    <a:masterClrMapping/>
-  </p:clrMapOvr>
-</p:notes>
-</file>
-
-<file path=ppt/notesSlides/notesSlide9.xml><?xml version="1.0" encoding="utf-8"?>
-<p:notes xmlns:a="http://schemas.openxmlformats.org/drawingml/2006/main" xmlns:r="http://schemas.openxmlformats.org/officeDocument/2006/relationships" xmlns:p="http://schemas.openxmlformats.org/presentationml/2006/main">
-  <p:cSld>
-    <p:spTree>
-      <p:nvGrpSpPr>
-        <p:cNvPr id="1" name=""/>
-        <p:cNvGrpSpPr/>
-        <p:nvPr/>
-      </p:nvGrpSpPr>
-      <p:grpSpPr>
-        <a:xfrm>
-          <a:off x="0" y="0"/>
-          <a:ext cx="0" cy="0"/>
-          <a:chOff x="0" y="0"/>
-          <a:chExt cx="0" cy="0"/>
-        </a:xfrm>
-      </p:grpSpPr>
-      <p:sp>
-        <p:nvSpPr>
-          <p:cNvPr id="5" name="4 Marcador de fecha"/>
-          <p:cNvSpPr txBox="1">
-            <a:spLocks noGrp="1"/>
-          </p:cNvSpPr>
-          <p:nvPr>
-            <p:ph type="dt" idx="1"/>
-          </p:nvPr>
-        </p:nvSpPr>
-        <p:spPr>
-          <a:ln/>
-        </p:spPr>
-        <p:txBody>
-          <a:bodyPr lIns="0" tIns="0" rIns="0" bIns="0" anchorCtr="0"/>
-          <a:lstStyle/>
-          <a:p>
-            <a:pPr lvl="0"/>
             <a:fld id="{1F60090F-CF77-446A-84D6-5DE14995C148}" type="datetimeFigureOut">
               <a:t>02-10-2017</a:t>
             </a:fld>
@@ -1755,7 +1410,7 @@
           <a:p>
             <a:pPr lvl="0"/>
             <a:fld id="{59DC9D6E-6102-4D28-83C2-BD92EA53257E}" type="slidenum">
-              <a:t>12</a:t>
+              <a:t>7</a:t>
             </a:fld>
             <a:endParaRPr lang="x-none"/>
           </a:p>
@@ -2051,11 +1706,11 @@
   <p:clrMapOvr>
     <a:masterClrMapping/>
   </p:clrMapOvr>
-  <mc:AlternateContent xmlns:mc="http://schemas.openxmlformats.org/markup-compatibility/2006">
-    <mc:Choice xmlns:p14="http://schemas.microsoft.com/office/powerpoint/2010/main" Requires="p14">
+  <mc:AlternateContent xmlns:mc="http://schemas.openxmlformats.org/markup-compatibility/2006" xmlns:p14="http://schemas.microsoft.com/office/powerpoint/2010/main">
+    <mc:Choice Requires="p14">
       <p:transition spd="slow" p14:dur="2000"/>
     </mc:Choice>
-    <mc:Fallback>
+    <mc:Fallback xmlns="">
       <p:transition spd="slow"/>
     </mc:Fallback>
   </mc:AlternateContent>
@@ -2227,11 +1882,11 @@
   <p:clrMapOvr>
     <a:masterClrMapping/>
   </p:clrMapOvr>
-  <mc:AlternateContent xmlns:mc="http://schemas.openxmlformats.org/markup-compatibility/2006">
-    <mc:Choice xmlns:p14="http://schemas.microsoft.com/office/powerpoint/2010/main" Requires="p14">
+  <mc:AlternateContent xmlns:mc="http://schemas.openxmlformats.org/markup-compatibility/2006" xmlns:p14="http://schemas.microsoft.com/office/powerpoint/2010/main">
+    <mc:Choice Requires="p14">
       <p:transition spd="slow" p14:dur="2000"/>
     </mc:Choice>
-    <mc:Fallback>
+    <mc:Fallback xmlns="">
       <p:transition spd="slow"/>
     </mc:Fallback>
   </mc:AlternateContent>
@@ -2413,11 +2068,11 @@
   <p:clrMapOvr>
     <a:masterClrMapping/>
   </p:clrMapOvr>
-  <mc:AlternateContent xmlns:mc="http://schemas.openxmlformats.org/markup-compatibility/2006">
-    <mc:Choice xmlns:p14="http://schemas.microsoft.com/office/powerpoint/2010/main" Requires="p14">
+  <mc:AlternateContent xmlns:mc="http://schemas.openxmlformats.org/markup-compatibility/2006" xmlns:p14="http://schemas.microsoft.com/office/powerpoint/2010/main">
+    <mc:Choice Requires="p14">
       <p:transition spd="slow" p14:dur="2000"/>
     </mc:Choice>
-    <mc:Fallback>
+    <mc:Fallback xmlns="">
       <p:transition spd="slow"/>
     </mc:Fallback>
   </mc:AlternateContent>
@@ -2661,11 +2316,11 @@
   <p:clrMapOvr>
     <a:masterClrMapping/>
   </p:clrMapOvr>
-  <mc:AlternateContent xmlns:mc="http://schemas.openxmlformats.org/markup-compatibility/2006">
-    <mc:Choice xmlns:p14="http://schemas.microsoft.com/office/powerpoint/2010/main" Requires="p14">
+  <mc:AlternateContent xmlns:mc="http://schemas.openxmlformats.org/markup-compatibility/2006" xmlns:p14="http://schemas.microsoft.com/office/powerpoint/2010/main">
+    <mc:Choice Requires="p14">
       <p:transition spd="slow" p14:dur="2000"/>
     </mc:Choice>
-    <mc:Fallback>
+    <mc:Fallback xmlns="">
       <p:transition spd="slow"/>
     </mc:Fallback>
   </mc:AlternateContent>
@@ -2837,11 +2492,11 @@
   <p:clrMapOvr>
     <a:masterClrMapping/>
   </p:clrMapOvr>
-  <mc:AlternateContent xmlns:mc="http://schemas.openxmlformats.org/markup-compatibility/2006">
-    <mc:Choice xmlns:p14="http://schemas.microsoft.com/office/powerpoint/2010/main" Requires="p14">
+  <mc:AlternateContent xmlns:mc="http://schemas.openxmlformats.org/markup-compatibility/2006" xmlns:p14="http://schemas.microsoft.com/office/powerpoint/2010/main">
+    <mc:Choice Requires="p14">
       <p:transition spd="slow" p14:dur="2000"/>
     </mc:Choice>
-    <mc:Fallback>
+    <mc:Fallback xmlns="">
       <p:transition spd="slow"/>
     </mc:Fallback>
   </mc:AlternateContent>
@@ -3089,11 +2744,11 @@
   <p:clrMapOvr>
     <a:masterClrMapping/>
   </p:clrMapOvr>
-  <mc:AlternateContent xmlns:mc="http://schemas.openxmlformats.org/markup-compatibility/2006">
-    <mc:Choice xmlns:p14="http://schemas.microsoft.com/office/powerpoint/2010/main" Requires="p14">
+  <mc:AlternateContent xmlns:mc="http://schemas.openxmlformats.org/markup-compatibility/2006" xmlns:p14="http://schemas.microsoft.com/office/powerpoint/2010/main">
+    <mc:Choice Requires="p14">
       <p:transition spd="slow" p14:dur="2000"/>
     </mc:Choice>
-    <mc:Fallback>
+    <mc:Fallback xmlns="">
       <p:transition spd="slow"/>
     </mc:Fallback>
   </mc:AlternateContent>
@@ -3383,11 +3038,11 @@
   <p:clrMapOvr>
     <a:masterClrMapping/>
   </p:clrMapOvr>
-  <mc:AlternateContent xmlns:mc="http://schemas.openxmlformats.org/markup-compatibility/2006">
-    <mc:Choice xmlns:p14="http://schemas.microsoft.com/office/powerpoint/2010/main" Requires="p14">
+  <mc:AlternateContent xmlns:mc="http://schemas.openxmlformats.org/markup-compatibility/2006" xmlns:p14="http://schemas.microsoft.com/office/powerpoint/2010/main">
+    <mc:Choice Requires="p14">
       <p:transition spd="slow" p14:dur="2000"/>
     </mc:Choice>
-    <mc:Fallback>
+    <mc:Fallback xmlns="">
       <p:transition spd="slow"/>
     </mc:Fallback>
   </mc:AlternateContent>
@@ -3816,11 +3471,11 @@
   <p:clrMapOvr>
     <a:masterClrMapping/>
   </p:clrMapOvr>
-  <mc:AlternateContent xmlns:mc="http://schemas.openxmlformats.org/markup-compatibility/2006">
-    <mc:Choice xmlns:p14="http://schemas.microsoft.com/office/powerpoint/2010/main" Requires="p14">
+  <mc:AlternateContent xmlns:mc="http://schemas.openxmlformats.org/markup-compatibility/2006" xmlns:p14="http://schemas.microsoft.com/office/powerpoint/2010/main">
+    <mc:Choice Requires="p14">
       <p:transition spd="slow" p14:dur="2000"/>
     </mc:Choice>
-    <mc:Fallback>
+    <mc:Fallback xmlns="">
       <p:transition spd="slow"/>
     </mc:Fallback>
   </mc:AlternateContent>
@@ -3940,11 +3595,11 @@
   <p:clrMapOvr>
     <a:masterClrMapping/>
   </p:clrMapOvr>
-  <mc:AlternateContent xmlns:mc="http://schemas.openxmlformats.org/markup-compatibility/2006">
-    <mc:Choice xmlns:p14="http://schemas.microsoft.com/office/powerpoint/2010/main" Requires="p14">
+  <mc:AlternateContent xmlns:mc="http://schemas.openxmlformats.org/markup-compatibility/2006" xmlns:p14="http://schemas.microsoft.com/office/powerpoint/2010/main">
+    <mc:Choice Requires="p14">
       <p:transition spd="slow" p14:dur="2000"/>
     </mc:Choice>
-    <mc:Fallback>
+    <mc:Fallback xmlns="">
       <p:transition spd="slow"/>
     </mc:Fallback>
   </mc:AlternateContent>
@@ -4041,11 +3696,11 @@
   <p:clrMapOvr>
     <a:masterClrMapping/>
   </p:clrMapOvr>
-  <mc:AlternateContent xmlns:mc="http://schemas.openxmlformats.org/markup-compatibility/2006">
-    <mc:Choice xmlns:p14="http://schemas.microsoft.com/office/powerpoint/2010/main" Requires="p14">
+  <mc:AlternateContent xmlns:mc="http://schemas.openxmlformats.org/markup-compatibility/2006" xmlns:p14="http://schemas.microsoft.com/office/powerpoint/2010/main">
+    <mc:Choice Requires="p14">
       <p:transition spd="slow" p14:dur="2000"/>
     </mc:Choice>
-    <mc:Fallback>
+    <mc:Fallback xmlns="">
       <p:transition spd="slow"/>
     </mc:Fallback>
   </mc:AlternateContent>
@@ -4325,11 +3980,11 @@
   <p:clrMapOvr>
     <a:masterClrMapping/>
   </p:clrMapOvr>
-  <mc:AlternateContent xmlns:mc="http://schemas.openxmlformats.org/markup-compatibility/2006">
-    <mc:Choice xmlns:p14="http://schemas.microsoft.com/office/powerpoint/2010/main" Requires="p14">
+  <mc:AlternateContent xmlns:mc="http://schemas.openxmlformats.org/markup-compatibility/2006" xmlns:p14="http://schemas.microsoft.com/office/powerpoint/2010/main">
+    <mc:Choice Requires="p14">
       <p:transition spd="slow" p14:dur="2000"/>
     </mc:Choice>
-    <mc:Fallback>
+    <mc:Fallback xmlns="">
       <p:transition spd="slow"/>
     </mc:Fallback>
   </mc:AlternateContent>
@@ -4501,11 +4156,11 @@
   <p:clrMapOvr>
     <a:masterClrMapping/>
   </p:clrMapOvr>
-  <mc:AlternateContent xmlns:mc="http://schemas.openxmlformats.org/markup-compatibility/2006">
-    <mc:Choice xmlns:p14="http://schemas.microsoft.com/office/powerpoint/2010/main" Requires="p14">
+  <mc:AlternateContent xmlns:mc="http://schemas.openxmlformats.org/markup-compatibility/2006" xmlns:p14="http://schemas.microsoft.com/office/powerpoint/2010/main">
+    <mc:Choice Requires="p14">
       <p:transition spd="slow" p14:dur="2000"/>
     </mc:Choice>
-    <mc:Fallback>
+    <mc:Fallback xmlns="">
       <p:transition spd="slow"/>
     </mc:Fallback>
   </mc:AlternateContent>
@@ -4760,11 +4415,11 @@
   <p:clrMapOvr>
     <a:masterClrMapping/>
   </p:clrMapOvr>
-  <mc:AlternateContent xmlns:mc="http://schemas.openxmlformats.org/markup-compatibility/2006">
-    <mc:Choice xmlns:p14="http://schemas.microsoft.com/office/powerpoint/2010/main" Requires="p14">
+  <mc:AlternateContent xmlns:mc="http://schemas.openxmlformats.org/markup-compatibility/2006" xmlns:p14="http://schemas.microsoft.com/office/powerpoint/2010/main">
+    <mc:Choice Requires="p14">
       <p:transition spd="slow" p14:dur="2000"/>
     </mc:Choice>
-    <mc:Fallback>
+    <mc:Fallback xmlns="">
       <p:transition spd="slow"/>
     </mc:Fallback>
   </mc:AlternateContent>
@@ -4936,11 +4591,11 @@
   <p:clrMapOvr>
     <a:masterClrMapping/>
   </p:clrMapOvr>
-  <mc:AlternateContent xmlns:mc="http://schemas.openxmlformats.org/markup-compatibility/2006">
-    <mc:Choice xmlns:p14="http://schemas.microsoft.com/office/powerpoint/2010/main" Requires="p14">
+  <mc:AlternateContent xmlns:mc="http://schemas.openxmlformats.org/markup-compatibility/2006" xmlns:p14="http://schemas.microsoft.com/office/powerpoint/2010/main">
+    <mc:Choice Requires="p14">
       <p:transition spd="slow" p14:dur="2000"/>
     </mc:Choice>
-    <mc:Fallback>
+    <mc:Fallback xmlns="">
       <p:transition spd="slow"/>
     </mc:Fallback>
   </mc:AlternateContent>
@@ -5122,11 +4777,11 @@
   <p:clrMapOvr>
     <a:masterClrMapping/>
   </p:clrMapOvr>
-  <mc:AlternateContent xmlns:mc="http://schemas.openxmlformats.org/markup-compatibility/2006">
-    <mc:Choice xmlns:p14="http://schemas.microsoft.com/office/powerpoint/2010/main" Requires="p14">
+  <mc:AlternateContent xmlns:mc="http://schemas.openxmlformats.org/markup-compatibility/2006" xmlns:p14="http://schemas.microsoft.com/office/powerpoint/2010/main">
+    <mc:Choice Requires="p14">
       <p:transition spd="slow" p14:dur="2000"/>
     </mc:Choice>
-    <mc:Fallback>
+    <mc:Fallback xmlns="">
       <p:transition spd="slow"/>
     </mc:Fallback>
   </mc:AlternateContent>
@@ -5370,11 +5025,11 @@
   <p:clrMapOvr>
     <a:masterClrMapping/>
   </p:clrMapOvr>
-  <mc:AlternateContent xmlns:mc="http://schemas.openxmlformats.org/markup-compatibility/2006">
-    <mc:Choice xmlns:p14="http://schemas.microsoft.com/office/powerpoint/2010/main" Requires="p14">
+  <mc:AlternateContent xmlns:mc="http://schemas.openxmlformats.org/markup-compatibility/2006" xmlns:p14="http://schemas.microsoft.com/office/powerpoint/2010/main">
+    <mc:Choice Requires="p14">
       <p:transition spd="slow" p14:dur="2000"/>
     </mc:Choice>
-    <mc:Fallback>
+    <mc:Fallback xmlns="">
       <p:transition spd="slow"/>
     </mc:Fallback>
   </mc:AlternateContent>
@@ -5546,11 +5201,11 @@
   <p:clrMapOvr>
     <a:masterClrMapping/>
   </p:clrMapOvr>
-  <mc:AlternateContent xmlns:mc="http://schemas.openxmlformats.org/markup-compatibility/2006">
-    <mc:Choice xmlns:p14="http://schemas.microsoft.com/office/powerpoint/2010/main" Requires="p14">
+  <mc:AlternateContent xmlns:mc="http://schemas.openxmlformats.org/markup-compatibility/2006" xmlns:p14="http://schemas.microsoft.com/office/powerpoint/2010/main">
+    <mc:Choice Requires="p14">
       <p:transition spd="slow" p14:dur="2000"/>
     </mc:Choice>
-    <mc:Fallback>
+    <mc:Fallback xmlns="">
       <p:transition spd="slow"/>
     </mc:Fallback>
   </mc:AlternateContent>
@@ -5798,11 +5453,11 @@
   <p:clrMapOvr>
     <a:masterClrMapping/>
   </p:clrMapOvr>
-  <mc:AlternateContent xmlns:mc="http://schemas.openxmlformats.org/markup-compatibility/2006">
-    <mc:Choice xmlns:p14="http://schemas.microsoft.com/office/powerpoint/2010/main" Requires="p14">
+  <mc:AlternateContent xmlns:mc="http://schemas.openxmlformats.org/markup-compatibility/2006" xmlns:p14="http://schemas.microsoft.com/office/powerpoint/2010/main">
+    <mc:Choice Requires="p14">
       <p:transition spd="slow" p14:dur="2000"/>
     </mc:Choice>
-    <mc:Fallback>
+    <mc:Fallback xmlns="">
       <p:transition spd="slow"/>
     </mc:Fallback>
   </mc:AlternateContent>
@@ -6092,11 +5747,11 @@
   <p:clrMapOvr>
     <a:masterClrMapping/>
   </p:clrMapOvr>
-  <mc:AlternateContent xmlns:mc="http://schemas.openxmlformats.org/markup-compatibility/2006">
-    <mc:Choice xmlns:p14="http://schemas.microsoft.com/office/powerpoint/2010/main" Requires="p14">
+  <mc:AlternateContent xmlns:mc="http://schemas.openxmlformats.org/markup-compatibility/2006" xmlns:p14="http://schemas.microsoft.com/office/powerpoint/2010/main">
+    <mc:Choice Requires="p14">
       <p:transition spd="slow" p14:dur="2000"/>
     </mc:Choice>
-    <mc:Fallback>
+    <mc:Fallback xmlns="">
       <p:transition spd="slow"/>
     </mc:Fallback>
   </mc:AlternateContent>
@@ -6525,11 +6180,11 @@
   <p:clrMapOvr>
     <a:masterClrMapping/>
   </p:clrMapOvr>
-  <mc:AlternateContent xmlns:mc="http://schemas.openxmlformats.org/markup-compatibility/2006">
-    <mc:Choice xmlns:p14="http://schemas.microsoft.com/office/powerpoint/2010/main" Requires="p14">
+  <mc:AlternateContent xmlns:mc="http://schemas.openxmlformats.org/markup-compatibility/2006" xmlns:p14="http://schemas.microsoft.com/office/powerpoint/2010/main">
+    <mc:Choice Requires="p14">
       <p:transition spd="slow" p14:dur="2000"/>
     </mc:Choice>
-    <mc:Fallback>
+    <mc:Fallback xmlns="">
       <p:transition spd="slow"/>
     </mc:Fallback>
   </mc:AlternateContent>
@@ -6649,11 +6304,11 @@
   <p:clrMapOvr>
     <a:masterClrMapping/>
   </p:clrMapOvr>
-  <mc:AlternateContent xmlns:mc="http://schemas.openxmlformats.org/markup-compatibility/2006">
-    <mc:Choice xmlns:p14="http://schemas.microsoft.com/office/powerpoint/2010/main" Requires="p14">
+  <mc:AlternateContent xmlns:mc="http://schemas.openxmlformats.org/markup-compatibility/2006" xmlns:p14="http://schemas.microsoft.com/office/powerpoint/2010/main">
+    <mc:Choice Requires="p14">
       <p:transition spd="slow" p14:dur="2000"/>
     </mc:Choice>
-    <mc:Fallback>
+    <mc:Fallback xmlns="">
       <p:transition spd="slow"/>
     </mc:Fallback>
   </mc:AlternateContent>
@@ -6750,11 +6405,11 @@
   <p:clrMapOvr>
     <a:masterClrMapping/>
   </p:clrMapOvr>
-  <mc:AlternateContent xmlns:mc="http://schemas.openxmlformats.org/markup-compatibility/2006">
-    <mc:Choice xmlns:p14="http://schemas.microsoft.com/office/powerpoint/2010/main" Requires="p14">
+  <mc:AlternateContent xmlns:mc="http://schemas.openxmlformats.org/markup-compatibility/2006" xmlns:p14="http://schemas.microsoft.com/office/powerpoint/2010/main">
+    <mc:Choice Requires="p14">
       <p:transition spd="slow" p14:dur="2000"/>
     </mc:Choice>
-    <mc:Fallback>
+    <mc:Fallback xmlns="">
       <p:transition spd="slow"/>
     </mc:Fallback>
   </mc:AlternateContent>
@@ -7002,11 +6657,11 @@
   <p:clrMapOvr>
     <a:masterClrMapping/>
   </p:clrMapOvr>
-  <mc:AlternateContent xmlns:mc="http://schemas.openxmlformats.org/markup-compatibility/2006">
-    <mc:Choice xmlns:p14="http://schemas.microsoft.com/office/powerpoint/2010/main" Requires="p14">
+  <mc:AlternateContent xmlns:mc="http://schemas.openxmlformats.org/markup-compatibility/2006" xmlns:p14="http://schemas.microsoft.com/office/powerpoint/2010/main">
+    <mc:Choice Requires="p14">
       <p:transition spd="slow" p14:dur="2000"/>
     </mc:Choice>
-    <mc:Fallback>
+    <mc:Fallback xmlns="">
       <p:transition spd="slow"/>
     </mc:Fallback>
   </mc:AlternateContent>
@@ -7285,11 +6940,11 @@
   <p:clrMapOvr>
     <a:masterClrMapping/>
   </p:clrMapOvr>
-  <mc:AlternateContent xmlns:mc="http://schemas.openxmlformats.org/markup-compatibility/2006">
-    <mc:Choice xmlns:p14="http://schemas.microsoft.com/office/powerpoint/2010/main" Requires="p14">
+  <mc:AlternateContent xmlns:mc="http://schemas.openxmlformats.org/markup-compatibility/2006" xmlns:p14="http://schemas.microsoft.com/office/powerpoint/2010/main">
+    <mc:Choice Requires="p14">
       <p:transition spd="slow" p14:dur="2000"/>
     </mc:Choice>
-    <mc:Fallback>
+    <mc:Fallback xmlns="">
       <p:transition spd="slow"/>
     </mc:Fallback>
   </mc:AlternateContent>
@@ -7544,11 +7199,11 @@
   <p:clrMapOvr>
     <a:masterClrMapping/>
   </p:clrMapOvr>
-  <mc:AlternateContent xmlns:mc="http://schemas.openxmlformats.org/markup-compatibility/2006">
-    <mc:Choice xmlns:p14="http://schemas.microsoft.com/office/powerpoint/2010/main" Requires="p14">
+  <mc:AlternateContent xmlns:mc="http://schemas.openxmlformats.org/markup-compatibility/2006" xmlns:p14="http://schemas.microsoft.com/office/powerpoint/2010/main">
+    <mc:Choice Requires="p14">
       <p:transition spd="slow" p14:dur="2000"/>
     </mc:Choice>
-    <mc:Fallback>
+    <mc:Fallback xmlns="">
       <p:transition spd="slow"/>
     </mc:Fallback>
   </mc:AlternateContent>
@@ -7720,11 +7375,11 @@
   <p:clrMapOvr>
     <a:masterClrMapping/>
   </p:clrMapOvr>
-  <mc:AlternateContent xmlns:mc="http://schemas.openxmlformats.org/markup-compatibility/2006">
-    <mc:Choice xmlns:p14="http://schemas.microsoft.com/office/powerpoint/2010/main" Requires="p14">
+  <mc:AlternateContent xmlns:mc="http://schemas.openxmlformats.org/markup-compatibility/2006" xmlns:p14="http://schemas.microsoft.com/office/powerpoint/2010/main">
+    <mc:Choice Requires="p14">
       <p:transition spd="slow" p14:dur="2000"/>
     </mc:Choice>
-    <mc:Fallback>
+    <mc:Fallback xmlns="">
       <p:transition spd="slow"/>
     </mc:Fallback>
   </mc:AlternateContent>
@@ -7906,11 +7561,11 @@
   <p:clrMapOvr>
     <a:masterClrMapping/>
   </p:clrMapOvr>
-  <mc:AlternateContent xmlns:mc="http://schemas.openxmlformats.org/markup-compatibility/2006">
-    <mc:Choice xmlns:p14="http://schemas.microsoft.com/office/powerpoint/2010/main" Requires="p14">
+  <mc:AlternateContent xmlns:mc="http://schemas.openxmlformats.org/markup-compatibility/2006" xmlns:p14="http://schemas.microsoft.com/office/powerpoint/2010/main">
+    <mc:Choice Requires="p14">
       <p:transition spd="slow" p14:dur="2000"/>
     </mc:Choice>
-    <mc:Fallback>
+    <mc:Fallback xmlns="">
       <p:transition spd="slow"/>
     </mc:Fallback>
   </mc:AlternateContent>
@@ -8200,11 +7855,11 @@
   <p:clrMapOvr>
     <a:masterClrMapping/>
   </p:clrMapOvr>
-  <mc:AlternateContent xmlns:mc="http://schemas.openxmlformats.org/markup-compatibility/2006">
-    <mc:Choice xmlns:p14="http://schemas.microsoft.com/office/powerpoint/2010/main" Requires="p14">
+  <mc:AlternateContent xmlns:mc="http://schemas.openxmlformats.org/markup-compatibility/2006" xmlns:p14="http://schemas.microsoft.com/office/powerpoint/2010/main">
+    <mc:Choice Requires="p14">
       <p:transition spd="slow" p14:dur="2000"/>
     </mc:Choice>
-    <mc:Fallback>
+    <mc:Fallback xmlns="">
       <p:transition spd="slow"/>
     </mc:Fallback>
   </mc:AlternateContent>
@@ -8633,11 +8288,11 @@
   <p:clrMapOvr>
     <a:masterClrMapping/>
   </p:clrMapOvr>
-  <mc:AlternateContent xmlns:mc="http://schemas.openxmlformats.org/markup-compatibility/2006">
-    <mc:Choice xmlns:p14="http://schemas.microsoft.com/office/powerpoint/2010/main" Requires="p14">
+  <mc:AlternateContent xmlns:mc="http://schemas.openxmlformats.org/markup-compatibility/2006" xmlns:p14="http://schemas.microsoft.com/office/powerpoint/2010/main">
+    <mc:Choice Requires="p14">
       <p:transition spd="slow" p14:dur="2000"/>
     </mc:Choice>
-    <mc:Fallback>
+    <mc:Fallback xmlns="">
       <p:transition spd="slow"/>
     </mc:Fallback>
   </mc:AlternateContent>
@@ -8757,11 +8412,11 @@
   <p:clrMapOvr>
     <a:masterClrMapping/>
   </p:clrMapOvr>
-  <mc:AlternateContent xmlns:mc="http://schemas.openxmlformats.org/markup-compatibility/2006">
-    <mc:Choice xmlns:p14="http://schemas.microsoft.com/office/powerpoint/2010/main" Requires="p14">
+  <mc:AlternateContent xmlns:mc="http://schemas.openxmlformats.org/markup-compatibility/2006" xmlns:p14="http://schemas.microsoft.com/office/powerpoint/2010/main">
+    <mc:Choice Requires="p14">
       <p:transition spd="slow" p14:dur="2000"/>
     </mc:Choice>
-    <mc:Fallback>
+    <mc:Fallback xmlns="">
       <p:transition spd="slow"/>
     </mc:Fallback>
   </mc:AlternateContent>
@@ -8858,11 +8513,11 @@
   <p:clrMapOvr>
     <a:masterClrMapping/>
   </p:clrMapOvr>
-  <mc:AlternateContent xmlns:mc="http://schemas.openxmlformats.org/markup-compatibility/2006">
-    <mc:Choice xmlns:p14="http://schemas.microsoft.com/office/powerpoint/2010/main" Requires="p14">
+  <mc:AlternateContent xmlns:mc="http://schemas.openxmlformats.org/markup-compatibility/2006" xmlns:p14="http://schemas.microsoft.com/office/powerpoint/2010/main">
+    <mc:Choice Requires="p14">
       <p:transition spd="slow" p14:dur="2000"/>
     </mc:Choice>
-    <mc:Fallback>
+    <mc:Fallback xmlns="">
       <p:transition spd="slow"/>
     </mc:Fallback>
   </mc:AlternateContent>
@@ -9142,11 +8797,11 @@
   <p:clrMapOvr>
     <a:masterClrMapping/>
   </p:clrMapOvr>
-  <mc:AlternateContent xmlns:mc="http://schemas.openxmlformats.org/markup-compatibility/2006">
-    <mc:Choice xmlns:p14="http://schemas.microsoft.com/office/powerpoint/2010/main" Requires="p14">
+  <mc:AlternateContent xmlns:mc="http://schemas.openxmlformats.org/markup-compatibility/2006" xmlns:p14="http://schemas.microsoft.com/office/powerpoint/2010/main">
+    <mc:Choice Requires="p14">
       <p:transition spd="slow" p14:dur="2000"/>
     </mc:Choice>
-    <mc:Fallback>
+    <mc:Fallback xmlns="">
       <p:transition spd="slow"/>
     </mc:Fallback>
   </mc:AlternateContent>
@@ -9401,11 +9056,11 @@
   <p:clrMapOvr>
     <a:masterClrMapping/>
   </p:clrMapOvr>
-  <mc:AlternateContent xmlns:mc="http://schemas.openxmlformats.org/markup-compatibility/2006">
-    <mc:Choice xmlns:p14="http://schemas.microsoft.com/office/powerpoint/2010/main" Requires="p14">
+  <mc:AlternateContent xmlns:mc="http://schemas.openxmlformats.org/markup-compatibility/2006" xmlns:p14="http://schemas.microsoft.com/office/powerpoint/2010/main">
+    <mc:Choice Requires="p14">
       <p:transition spd="slow" p14:dur="2000"/>
     </mc:Choice>
-    <mc:Fallback>
+    <mc:Fallback xmlns="">
       <p:transition spd="slow"/>
     </mc:Fallback>
   </mc:AlternateContent>
@@ -9982,11 +9637,11 @@
     <p:sldLayoutId id="2147483658" r:id="rId10"/>
     <p:sldLayoutId id="2147483659" r:id="rId11"/>
   </p:sldLayoutIdLst>
-  <mc:AlternateContent xmlns:mc="http://schemas.openxmlformats.org/markup-compatibility/2006">
-    <mc:Choice xmlns:p14="http://schemas.microsoft.com/office/powerpoint/2010/main" Requires="p14">
+  <mc:AlternateContent xmlns:mc="http://schemas.openxmlformats.org/markup-compatibility/2006" xmlns:p14="http://schemas.microsoft.com/office/powerpoint/2010/main">
+    <mc:Choice Requires="p14">
       <p:transition spd="slow" p14:dur="2000"/>
     </mc:Choice>
-    <mc:Fallback>
+    <mc:Fallback xmlns="">
       <p:transition spd="slow"/>
     </mc:Fallback>
   </mc:AlternateContent>
@@ -10588,11 +10243,11 @@
     <p:sldLayoutId id="2147483670" r:id="rId10"/>
     <p:sldLayoutId id="2147483671" r:id="rId11"/>
   </p:sldLayoutIdLst>
-  <mc:AlternateContent xmlns:mc="http://schemas.openxmlformats.org/markup-compatibility/2006">
-    <mc:Choice xmlns:p14="http://schemas.microsoft.com/office/powerpoint/2010/main" Requires="p14">
+  <mc:AlternateContent xmlns:mc="http://schemas.openxmlformats.org/markup-compatibility/2006" xmlns:p14="http://schemas.microsoft.com/office/powerpoint/2010/main">
+    <mc:Choice Requires="p14">
       <p:transition spd="slow" p14:dur="2000"/>
     </mc:Choice>
-    <mc:Fallback>
+    <mc:Fallback xmlns="">
       <p:transition spd="slow"/>
     </mc:Fallback>
   </mc:AlternateContent>
@@ -11182,11 +10837,11 @@
     <p:sldLayoutId id="2147483682" r:id="rId10"/>
     <p:sldLayoutId id="2147483683" r:id="rId11"/>
   </p:sldLayoutIdLst>
-  <mc:AlternateContent xmlns:mc="http://schemas.openxmlformats.org/markup-compatibility/2006">
-    <mc:Choice xmlns:p14="http://schemas.microsoft.com/office/powerpoint/2010/main" Requires="p14">
+  <mc:AlternateContent xmlns:mc="http://schemas.openxmlformats.org/markup-compatibility/2006" xmlns:p14="http://schemas.microsoft.com/office/powerpoint/2010/main">
+    <mc:Choice Requires="p14">
       <p:transition spd="slow" p14:dur="2000"/>
     </mc:Choice>
-    <mc:Fallback>
+    <mc:Fallback xmlns="">
       <p:transition spd="slow"/>
     </mc:Fallback>
   </mc:AlternateContent>
@@ -11330,7 +10985,12 @@
             <p:ph type="subTitle" idx="4294967295"/>
           </p:nvPr>
         </p:nvSpPr>
-        <p:spPr/>
+        <p:spPr>
+          <a:xfrm>
+            <a:off x="526554" y="5075981"/>
+            <a:ext cx="6795258" cy="3141373"/>
+          </a:xfrm>
+        </p:spPr>
         <p:txBody>
           <a:bodyPr wrap="none" anchor="t" anchorCtr="0" compatLnSpc="0">
             <a:spAutoFit/>
@@ -11395,9 +11055,98 @@
               <a:buNone/>
             </a:pPr>
             <a:r>
-              <a:rPr lang="x-none" sz="3600" b="1"/>
-              <a:t>Tema: pagina web nutricional.</a:t>
-            </a:r>
+              <a:rPr lang="es-CL" sz="3600" b="1" dirty="0" smtClean="0"/>
+              <a:t>	    </a:t>
+            </a:r>
+            <a:r>
+              <a:rPr lang="es-CL" sz="3000" b="1" dirty="0" err="1" smtClean="0"/>
+              <a:t>Integranes</a:t>
+            </a:r>
+            <a:r>
+              <a:rPr lang="es-CL" sz="3000" b="1" dirty="0" smtClean="0"/>
+              <a:t>: 	</a:t>
+            </a:r>
+            <a:r>
+              <a:rPr lang="es-CL" sz="3000" b="1" dirty="0" err="1" smtClean="0"/>
+              <a:t>Joaquin</a:t>
+            </a:r>
+            <a:r>
+              <a:rPr lang="es-CL" sz="3000" b="1" dirty="0" smtClean="0"/>
+              <a:t> Quezada</a:t>
+            </a:r>
+          </a:p>
+          <a:p>
+            <a:pPr marL="0" lvl="0" indent="0" algn="l">
+              <a:spcAft>
+                <a:spcPts val="0"/>
+              </a:spcAft>
+              <a:buNone/>
+            </a:pPr>
+            <a:r>
+              <a:rPr lang="es-CL" sz="3000" b="1" dirty="0"/>
+              <a:t>	</a:t>
+            </a:r>
+            <a:r>
+              <a:rPr lang="es-CL" sz="3000" b="1" dirty="0" smtClean="0"/>
+              <a:t>			John Gallegos</a:t>
+            </a:r>
+          </a:p>
+          <a:p>
+            <a:pPr marL="0" lvl="0" indent="0" algn="l">
+              <a:spcAft>
+                <a:spcPts val="0"/>
+              </a:spcAft>
+              <a:buNone/>
+            </a:pPr>
+            <a:r>
+              <a:rPr lang="es-CL" sz="3000" b="1" dirty="0"/>
+              <a:t>	</a:t>
+            </a:r>
+            <a:r>
+              <a:rPr lang="es-CL" sz="3000" b="1" dirty="0" smtClean="0"/>
+              <a:t>			Samuel Sáez</a:t>
+            </a:r>
+          </a:p>
+          <a:p>
+            <a:pPr marL="0" lvl="0" indent="0" algn="l">
+              <a:spcAft>
+                <a:spcPts val="0"/>
+              </a:spcAft>
+              <a:buNone/>
+            </a:pPr>
+            <a:r>
+              <a:rPr lang="es-CL" sz="3000" b="1" dirty="0"/>
+              <a:t>	</a:t>
+            </a:r>
+            <a:r>
+              <a:rPr lang="es-CL" sz="3000" b="1" dirty="0" smtClean="0"/>
+              <a:t>			Diego Moya</a:t>
+            </a:r>
+          </a:p>
+          <a:p>
+            <a:pPr marL="0" lvl="0" indent="0" algn="l">
+              <a:spcAft>
+                <a:spcPts val="0"/>
+              </a:spcAft>
+              <a:buNone/>
+            </a:pPr>
+            <a:r>
+              <a:rPr lang="es-CL" sz="3000" b="1" dirty="0"/>
+              <a:t>	</a:t>
+            </a:r>
+            <a:r>
+              <a:rPr lang="es-CL" sz="3000" b="1" dirty="0" smtClean="0"/>
+              <a:t>			Juan Pérez</a:t>
+            </a:r>
+          </a:p>
+          <a:p>
+            <a:pPr marL="0" lvl="0" indent="0" algn="l">
+              <a:spcAft>
+                <a:spcPts val="0"/>
+              </a:spcAft>
+              <a:buNone/>
+            </a:pPr>
+            <a:endParaRPr lang="x-none" sz="3600" b="1"/>
           </a:p>
         </p:txBody>
       </p:sp>
@@ -11406,1388 +11155,11 @@
   <p:clrMapOvr>
     <a:masterClrMapping/>
   </p:clrMapOvr>
-  <mc:AlternateContent xmlns:mc="http://schemas.openxmlformats.org/markup-compatibility/2006">
-    <mc:Choice xmlns:p14="http://schemas.microsoft.com/office/powerpoint/2010/main" Requires="p14">
+  <mc:AlternateContent xmlns:mc="http://schemas.openxmlformats.org/markup-compatibility/2006" xmlns:p14="http://schemas.microsoft.com/office/powerpoint/2010/main">
+    <mc:Choice Requires="p14">
       <p:transition spd="slow" p14:dur="2000"/>
     </mc:Choice>
-    <mc:Fallback>
-      <p:transition spd="slow"/>
-    </mc:Fallback>
-  </mc:AlternateContent>
-  <p:timing>
-    <p:tnLst>
-      <p:par>
-        <p:cTn id="1" dur="indefinite" restart="never" nodeType="tmRoot"/>
-      </p:par>
-    </p:tnLst>
-  </p:timing>
-</p:sld>
-</file>
-
-<file path=ppt/slides/slide10.xml><?xml version="1.0" encoding="utf-8"?>
-<p:sld xmlns:a="http://schemas.openxmlformats.org/drawingml/2006/main" xmlns:r="http://schemas.openxmlformats.org/officeDocument/2006/relationships" xmlns:p="http://schemas.openxmlformats.org/presentationml/2006/main">
-  <p:cSld name="page7">
-    <p:spTree>
-      <p:nvGrpSpPr>
-        <p:cNvPr id="1" name=""/>
-        <p:cNvGrpSpPr/>
-        <p:nvPr/>
-      </p:nvGrpSpPr>
-      <p:grpSpPr>
-        <a:xfrm>
-          <a:off x="0" y="0"/>
-          <a:ext cx="0" cy="0"/>
-          <a:chOff x="0" y="0"/>
-          <a:chExt cx="0" cy="0"/>
-        </a:xfrm>
-      </p:grpSpPr>
-      <p:sp>
-        <p:nvSpPr>
-          <p:cNvPr id="2" name="1 Título"/>
-          <p:cNvSpPr txBox="1">
-            <a:spLocks noGrp="1"/>
-          </p:cNvSpPr>
-          <p:nvPr>
-            <p:ph type="title" idx="4294967295"/>
-          </p:nvPr>
-        </p:nvSpPr>
-        <p:spPr/>
-        <p:txBody>
-          <a:bodyPr/>
-          <a:lstStyle>
-            <a:defPPr lvl="0">
-              <a:buSzPct val="45000"/>
-              <a:buFont typeface="StarSymbol"/>
-              <a:buNone/>
-            </a:defPPr>
-            <a:lvl1pPr lvl="0">
-              <a:buSzPct val="45000"/>
-              <a:buFont typeface="StarSymbol"/>
-              <a:buChar char="●"/>
-            </a:lvl1pPr>
-            <a:lvl2pPr lvl="1">
-              <a:buSzPct val="45000"/>
-              <a:buFont typeface="StarSymbol"/>
-              <a:buChar char="●"/>
-            </a:lvl2pPr>
-            <a:lvl3pPr lvl="2">
-              <a:buSzPct val="45000"/>
-              <a:buFont typeface="StarSymbol"/>
-              <a:buChar char="●"/>
-            </a:lvl3pPr>
-            <a:lvl4pPr lvl="3">
-              <a:buSzPct val="45000"/>
-              <a:buFont typeface="StarSymbol"/>
-              <a:buChar char="●"/>
-            </a:lvl4pPr>
-            <a:lvl5pPr lvl="4">
-              <a:buSzPct val="45000"/>
-              <a:buFont typeface="StarSymbol"/>
-              <a:buChar char="●"/>
-            </a:lvl5pPr>
-            <a:lvl6pPr lvl="5">
-              <a:buSzPct val="45000"/>
-              <a:buFont typeface="StarSymbol"/>
-              <a:buChar char="●"/>
-            </a:lvl6pPr>
-            <a:lvl7pPr lvl="6">
-              <a:buSzPct val="45000"/>
-              <a:buFont typeface="StarSymbol"/>
-              <a:buChar char="●"/>
-            </a:lvl7pPr>
-            <a:lvl8pPr lvl="7">
-              <a:buSzPct val="45000"/>
-              <a:buFont typeface="StarSymbol"/>
-              <a:buChar char="●"/>
-            </a:lvl8pPr>
-            <a:lvl9pPr lvl="8">
-              <a:buSzPct val="45000"/>
-              <a:buFont typeface="StarSymbol"/>
-              <a:buChar char="●"/>
-            </a:lvl9pPr>
-          </a:lstStyle>
-          <a:p>
-            <a:pPr lvl="0">
-              <a:buNone/>
-            </a:pPr>
-            <a:r>
-              <a:rPr lang="x-none"/>
-              <a:t>Progreso.</a:t>
-            </a:r>
-          </a:p>
-        </p:txBody>
-      </p:sp>
-      <p:sp>
-        <p:nvSpPr>
-          <p:cNvPr id="3" name="2 Marcador de texto"/>
-          <p:cNvSpPr txBox="1">
-            <a:spLocks noGrp="1"/>
-          </p:cNvSpPr>
-          <p:nvPr>
-            <p:ph type="body" idx="4294967295"/>
-          </p:nvPr>
-        </p:nvSpPr>
-        <p:spPr/>
-        <p:txBody>
-          <a:bodyPr/>
-          <a:lstStyle>
-            <a:defPPr marL="432000" marR="0" lvl="0" indent="-324000">
-              <a:spcBef>
-                <a:spcPts val="0"/>
-              </a:spcBef>
-              <a:spcAft>
-                <a:spcPts val="1409"/>
-              </a:spcAft>
-              <a:buClr>
-                <a:srgbClr val="04617B"/>
-              </a:buClr>
-              <a:buSzPct val="45000"/>
-              <a:buFont typeface="StarSymbol"/>
-              <a:buNone/>
-              <a:defRPr lang="x-none" sz="3200" b="0" i="0" u="none" strike="noStrike" kern="1200">
-                <a:ln>
-                  <a:noFill/>
-                </a:ln>
-                <a:latin typeface="Source Sans Pro" pitchFamily="2"/>
-                <a:ea typeface="Droid Sans" pitchFamily="2"/>
-                <a:cs typeface="Lohit Hindi" pitchFamily="2"/>
-              </a:defRPr>
-            </a:defPPr>
-            <a:lvl1pPr marL="432000" marR="0" lvl="0" indent="-324000">
-              <a:spcBef>
-                <a:spcPts val="0"/>
-              </a:spcBef>
-              <a:spcAft>
-                <a:spcPts val="1409"/>
-              </a:spcAft>
-              <a:buClr>
-                <a:srgbClr val="04617B"/>
-              </a:buClr>
-              <a:buSzPct val="45000"/>
-              <a:buFont typeface="StarSymbol"/>
-              <a:buChar char="●"/>
-              <a:defRPr lang="x-none" sz="3200" b="0" i="0" u="none" strike="noStrike" kern="1200">
-                <a:ln>
-                  <a:noFill/>
-                </a:ln>
-                <a:latin typeface="Source Sans Pro" pitchFamily="2"/>
-                <a:ea typeface="Droid Sans" pitchFamily="2"/>
-                <a:cs typeface="Lohit Hindi" pitchFamily="2"/>
-              </a:defRPr>
-            </a:lvl1pPr>
-            <a:lvl2pPr marL="864000" marR="0" lvl="1" indent="-324000">
-              <a:spcBef>
-                <a:spcPts val="0"/>
-              </a:spcBef>
-              <a:spcAft>
-                <a:spcPts val="1123"/>
-              </a:spcAft>
-              <a:buClr>
-                <a:srgbClr val="04617B"/>
-              </a:buClr>
-              <a:buSzPct val="75000"/>
-              <a:buFont typeface="StarSymbol"/>
-              <a:buChar char="–"/>
-              <a:defRPr lang="x-none" sz="2800" b="0" i="0" u="none" strike="noStrike" kern="1200">
-                <a:ln>
-                  <a:noFill/>
-                </a:ln>
-                <a:latin typeface="Source Sans Pro" pitchFamily="2"/>
-                <a:ea typeface="Droid Sans" pitchFamily="2"/>
-                <a:cs typeface="Lohit Hindi" pitchFamily="2"/>
-              </a:defRPr>
-            </a:lvl2pPr>
-            <a:lvl3pPr marL="1295999" marR="0" lvl="2" indent="-288000">
-              <a:spcBef>
-                <a:spcPts val="0"/>
-              </a:spcBef>
-              <a:spcAft>
-                <a:spcPts val="850"/>
-              </a:spcAft>
-              <a:buClr>
-                <a:srgbClr val="04617B"/>
-              </a:buClr>
-              <a:buSzPct val="45000"/>
-              <a:buFont typeface="StarSymbol"/>
-              <a:buChar char="●"/>
-              <a:defRPr lang="x-none" sz="2400" b="0" i="0" u="none" strike="noStrike" kern="1200">
-                <a:ln>
-                  <a:noFill/>
-                </a:ln>
-                <a:latin typeface="Source Sans Pro" pitchFamily="2"/>
-                <a:ea typeface="Droid Sans" pitchFamily="2"/>
-                <a:cs typeface="Lohit Hindi" pitchFamily="2"/>
-              </a:defRPr>
-            </a:lvl3pPr>
-            <a:lvl4pPr marL="1728000" marR="0" lvl="3" indent="-216000">
-              <a:spcBef>
-                <a:spcPts val="0"/>
-              </a:spcBef>
-              <a:spcAft>
-                <a:spcPts val="567"/>
-              </a:spcAft>
-              <a:buClr>
-                <a:srgbClr val="04617B"/>
-              </a:buClr>
-              <a:buSzPct val="75000"/>
-              <a:buFont typeface="StarSymbol"/>
-              <a:buChar char="–"/>
-              <a:defRPr lang="x-none" sz="2400" b="0" i="0" u="none" strike="noStrike" kern="1200">
-                <a:ln>
-                  <a:noFill/>
-                </a:ln>
-                <a:latin typeface="Source Sans Pro" pitchFamily="2"/>
-                <a:ea typeface="Droid Sans" pitchFamily="2"/>
-                <a:cs typeface="Lohit Hindi" pitchFamily="2"/>
-              </a:defRPr>
-            </a:lvl4pPr>
-            <a:lvl5pPr marL="2160000" marR="0" lvl="4" indent="-216000">
-              <a:spcBef>
-                <a:spcPts val="0"/>
-              </a:spcBef>
-              <a:spcAft>
-                <a:spcPts val="283"/>
-              </a:spcAft>
-              <a:buClr>
-                <a:srgbClr val="04617B"/>
-              </a:buClr>
-              <a:buSzPct val="45000"/>
-              <a:buFont typeface="StarSymbol"/>
-              <a:buChar char="●"/>
-              <a:defRPr lang="x-none" sz="2400" b="0" i="0" u="none" strike="noStrike" kern="1200">
-                <a:ln>
-                  <a:noFill/>
-                </a:ln>
-                <a:latin typeface="Source Sans Pro" pitchFamily="2"/>
-                <a:ea typeface="Droid Sans" pitchFamily="2"/>
-                <a:cs typeface="Lohit Hindi" pitchFamily="2"/>
-              </a:defRPr>
-            </a:lvl5pPr>
-            <a:lvl6pPr marL="2592000" marR="0" lvl="5" indent="-216000">
-              <a:spcBef>
-                <a:spcPts val="0"/>
-              </a:spcBef>
-              <a:spcAft>
-                <a:spcPts val="283"/>
-              </a:spcAft>
-              <a:buClr>
-                <a:srgbClr val="04617B"/>
-              </a:buClr>
-              <a:buSzPct val="45000"/>
-              <a:buFont typeface="StarSymbol"/>
-              <a:buChar char="●"/>
-              <a:defRPr lang="x-none" sz="2400" b="0" i="0" u="none" strike="noStrike" kern="1200">
-                <a:ln>
-                  <a:noFill/>
-                </a:ln>
-                <a:latin typeface="Source Sans Pro" pitchFamily="2"/>
-                <a:ea typeface="Droid Sans" pitchFamily="2"/>
-                <a:cs typeface="Lohit Hindi" pitchFamily="2"/>
-              </a:defRPr>
-            </a:lvl6pPr>
-            <a:lvl7pPr marL="3024000" marR="0" lvl="6" indent="-216000">
-              <a:spcBef>
-                <a:spcPts val="0"/>
-              </a:spcBef>
-              <a:spcAft>
-                <a:spcPts val="283"/>
-              </a:spcAft>
-              <a:buClr>
-                <a:srgbClr val="04617B"/>
-              </a:buClr>
-              <a:buSzPct val="45000"/>
-              <a:buFont typeface="StarSymbol"/>
-              <a:buChar char="●"/>
-              <a:defRPr lang="x-none" sz="2400" b="0" i="0" u="none" strike="noStrike" kern="1200">
-                <a:ln>
-                  <a:noFill/>
-                </a:ln>
-                <a:latin typeface="Source Sans Pro" pitchFamily="2"/>
-                <a:ea typeface="Droid Sans" pitchFamily="2"/>
-                <a:cs typeface="Lohit Hindi" pitchFamily="2"/>
-              </a:defRPr>
-            </a:lvl7pPr>
-            <a:lvl8pPr marL="3456000" marR="0" lvl="7" indent="-216000">
-              <a:spcBef>
-                <a:spcPts val="0"/>
-              </a:spcBef>
-              <a:spcAft>
-                <a:spcPts val="283"/>
-              </a:spcAft>
-              <a:buClr>
-                <a:srgbClr val="04617B"/>
-              </a:buClr>
-              <a:buSzPct val="45000"/>
-              <a:buFont typeface="StarSymbol"/>
-              <a:buChar char="●"/>
-              <a:defRPr lang="x-none" sz="2200" b="0" i="0" u="none" strike="noStrike" kern="1200">
-                <a:ln>
-                  <a:noFill/>
-                </a:ln>
-                <a:latin typeface="Source Sans Pro" pitchFamily="2"/>
-                <a:ea typeface="Droid Sans" pitchFamily="2"/>
-                <a:cs typeface="Lohit Hindi" pitchFamily="2"/>
-              </a:defRPr>
-            </a:lvl8pPr>
-            <a:lvl9pPr marL="3887999" marR="0" lvl="8" indent="-216000">
-              <a:spcBef>
-                <a:spcPts val="0"/>
-              </a:spcBef>
-              <a:spcAft>
-                <a:spcPts val="283"/>
-              </a:spcAft>
-              <a:buClr>
-                <a:srgbClr val="04617B"/>
-              </a:buClr>
-              <a:buSzPct val="45000"/>
-              <a:buFont typeface="StarSymbol"/>
-              <a:buChar char="●"/>
-              <a:defRPr lang="x-none" sz="2200" b="0" i="0" u="none" strike="noStrike" kern="1200">
-                <a:ln>
-                  <a:noFill/>
-                </a:ln>
-                <a:latin typeface="Source Sans Pro" pitchFamily="2"/>
-                <a:ea typeface="Droid Sans" pitchFamily="2"/>
-                <a:cs typeface="Lohit Hindi" pitchFamily="2"/>
-              </a:defRPr>
-            </a:lvl9pPr>
-          </a:lstStyle>
-          <a:p>
-            <a:pPr marL="0" indent="0"/>
-            <a:endParaRPr lang="x-none"/>
-          </a:p>
-        </p:txBody>
-      </p:sp>
-      <p:pic>
-        <p:nvPicPr>
-          <p:cNvPr id="4" name=""/>
-          <p:cNvPicPr>
-            <a:picLocks noChangeAspect="1"/>
-          </p:cNvPicPr>
-          <p:nvPr/>
-        </p:nvPicPr>
-        <p:blipFill>
-          <a:blip r:embed="rId3">
-            <a:lum/>
-            <a:alphaModFix/>
-          </a:blip>
-          <a:srcRect/>
-          <a:stretch>
-            <a:fillRect/>
-          </a:stretch>
-        </p:blipFill>
-        <p:spPr>
-          <a:xfrm>
-            <a:off x="525600" y="1721880"/>
-            <a:ext cx="10422360" cy="5190120"/>
-          </a:xfrm>
-          <a:prstGeom prst="rect">
-            <a:avLst/>
-          </a:prstGeom>
-          <a:noFill/>
-          <a:ln>
-            <a:noFill/>
-          </a:ln>
-        </p:spPr>
-      </p:pic>
-    </p:spTree>
-  </p:cSld>
-  <p:clrMapOvr>
-    <a:masterClrMapping/>
-  </p:clrMapOvr>
-  <mc:AlternateContent xmlns:mc="http://schemas.openxmlformats.org/markup-compatibility/2006">
-    <mc:Choice xmlns:p14="http://schemas.microsoft.com/office/powerpoint/2010/main" Requires="p14">
-      <p:transition spd="slow" p14:dur="2000"/>
-    </mc:Choice>
-    <mc:Fallback>
-      <p:transition spd="slow"/>
-    </mc:Fallback>
-  </mc:AlternateContent>
-  <p:timing>
-    <p:tnLst>
-      <p:par>
-        <p:cTn id="1" dur="indefinite" restart="never" nodeType="tmRoot"/>
-      </p:par>
-    </p:tnLst>
-  </p:timing>
-</p:sld>
-</file>
-
-<file path=ppt/slides/slide11.xml><?xml version="1.0" encoding="utf-8"?>
-<p:sld xmlns:a="http://schemas.openxmlformats.org/drawingml/2006/main" xmlns:r="http://schemas.openxmlformats.org/officeDocument/2006/relationships" xmlns:p="http://schemas.openxmlformats.org/presentationml/2006/main">
-  <p:cSld name="page8">
-    <p:spTree>
-      <p:nvGrpSpPr>
-        <p:cNvPr id="1" name=""/>
-        <p:cNvGrpSpPr/>
-        <p:nvPr/>
-      </p:nvGrpSpPr>
-      <p:grpSpPr>
-        <a:xfrm>
-          <a:off x="0" y="0"/>
-          <a:ext cx="0" cy="0"/>
-          <a:chOff x="0" y="0"/>
-          <a:chExt cx="0" cy="0"/>
-        </a:xfrm>
-      </p:grpSpPr>
-      <p:sp>
-        <p:nvSpPr>
-          <p:cNvPr id="2" name="1 Título"/>
-          <p:cNvSpPr txBox="1">
-            <a:spLocks noGrp="1"/>
-          </p:cNvSpPr>
-          <p:nvPr>
-            <p:ph type="title" idx="4294967295"/>
-          </p:nvPr>
-        </p:nvSpPr>
-        <p:spPr/>
-        <p:txBody>
-          <a:bodyPr/>
-          <a:lstStyle>
-            <a:defPPr lvl="0">
-              <a:buSzPct val="45000"/>
-              <a:buFont typeface="StarSymbol"/>
-              <a:buNone/>
-            </a:defPPr>
-            <a:lvl1pPr lvl="0">
-              <a:buSzPct val="45000"/>
-              <a:buFont typeface="StarSymbol"/>
-              <a:buChar char="●"/>
-            </a:lvl1pPr>
-            <a:lvl2pPr lvl="1">
-              <a:buSzPct val="45000"/>
-              <a:buFont typeface="StarSymbol"/>
-              <a:buChar char="●"/>
-            </a:lvl2pPr>
-            <a:lvl3pPr lvl="2">
-              <a:buSzPct val="45000"/>
-              <a:buFont typeface="StarSymbol"/>
-              <a:buChar char="●"/>
-            </a:lvl3pPr>
-            <a:lvl4pPr lvl="3">
-              <a:buSzPct val="45000"/>
-              <a:buFont typeface="StarSymbol"/>
-              <a:buChar char="●"/>
-            </a:lvl4pPr>
-            <a:lvl5pPr lvl="4">
-              <a:buSzPct val="45000"/>
-              <a:buFont typeface="StarSymbol"/>
-              <a:buChar char="●"/>
-            </a:lvl5pPr>
-            <a:lvl6pPr lvl="5">
-              <a:buSzPct val="45000"/>
-              <a:buFont typeface="StarSymbol"/>
-              <a:buChar char="●"/>
-            </a:lvl6pPr>
-            <a:lvl7pPr lvl="6">
-              <a:buSzPct val="45000"/>
-              <a:buFont typeface="StarSymbol"/>
-              <a:buChar char="●"/>
-            </a:lvl7pPr>
-            <a:lvl8pPr lvl="7">
-              <a:buSzPct val="45000"/>
-              <a:buFont typeface="StarSymbol"/>
-              <a:buChar char="●"/>
-            </a:lvl8pPr>
-            <a:lvl9pPr lvl="8">
-              <a:buSzPct val="45000"/>
-              <a:buFont typeface="StarSymbol"/>
-              <a:buChar char="●"/>
-            </a:lvl9pPr>
-          </a:lstStyle>
-          <a:p>
-            <a:pPr lvl="0">
-              <a:buNone/>
-            </a:pPr>
-            <a:r>
-              <a:rPr lang="x-none"/>
-              <a:t>Alcance de objetivos del sprint	.	</a:t>
-            </a:r>
-          </a:p>
-        </p:txBody>
-      </p:sp>
-      <p:sp>
-        <p:nvSpPr>
-          <p:cNvPr id="3" name="2 Marcador de texto"/>
-          <p:cNvSpPr txBox="1">
-            <a:spLocks noGrp="1"/>
-          </p:cNvSpPr>
-          <p:nvPr>
-            <p:ph type="body" idx="4294967295"/>
-          </p:nvPr>
-        </p:nvSpPr>
-        <p:spPr/>
-        <p:txBody>
-          <a:bodyPr/>
-          <a:lstStyle>
-            <a:defPPr marL="432000" marR="0" lvl="0" indent="-324000">
-              <a:spcBef>
-                <a:spcPts val="0"/>
-              </a:spcBef>
-              <a:spcAft>
-                <a:spcPts val="1409"/>
-              </a:spcAft>
-              <a:buClr>
-                <a:srgbClr val="04617B"/>
-              </a:buClr>
-              <a:buSzPct val="45000"/>
-              <a:buFont typeface="StarSymbol"/>
-              <a:buNone/>
-              <a:defRPr lang="x-none" sz="3200" b="0" i="0" u="none" strike="noStrike" kern="1200">
-                <a:ln>
-                  <a:noFill/>
-                </a:ln>
-                <a:latin typeface="Source Sans Pro" pitchFamily="2"/>
-                <a:ea typeface="Droid Sans" pitchFamily="2"/>
-                <a:cs typeface="Lohit Hindi" pitchFamily="2"/>
-              </a:defRPr>
-            </a:defPPr>
-            <a:lvl1pPr marL="432000" marR="0" lvl="0" indent="-324000">
-              <a:spcBef>
-                <a:spcPts val="0"/>
-              </a:spcBef>
-              <a:spcAft>
-                <a:spcPts val="1409"/>
-              </a:spcAft>
-              <a:buClr>
-                <a:srgbClr val="04617B"/>
-              </a:buClr>
-              <a:buSzPct val="45000"/>
-              <a:buFont typeface="StarSymbol"/>
-              <a:buChar char="●"/>
-              <a:defRPr lang="x-none" sz="3200" b="0" i="0" u="none" strike="noStrike" kern="1200">
-                <a:ln>
-                  <a:noFill/>
-                </a:ln>
-                <a:latin typeface="Source Sans Pro" pitchFamily="2"/>
-                <a:ea typeface="Droid Sans" pitchFamily="2"/>
-                <a:cs typeface="Lohit Hindi" pitchFamily="2"/>
-              </a:defRPr>
-            </a:lvl1pPr>
-            <a:lvl2pPr marL="864000" marR="0" lvl="1" indent="-324000">
-              <a:spcBef>
-                <a:spcPts val="0"/>
-              </a:spcBef>
-              <a:spcAft>
-                <a:spcPts val="1123"/>
-              </a:spcAft>
-              <a:buClr>
-                <a:srgbClr val="04617B"/>
-              </a:buClr>
-              <a:buSzPct val="75000"/>
-              <a:buFont typeface="StarSymbol"/>
-              <a:buChar char="–"/>
-              <a:defRPr lang="x-none" sz="2800" b="0" i="0" u="none" strike="noStrike" kern="1200">
-                <a:ln>
-                  <a:noFill/>
-                </a:ln>
-                <a:latin typeface="Source Sans Pro" pitchFamily="2"/>
-                <a:ea typeface="Droid Sans" pitchFamily="2"/>
-                <a:cs typeface="Lohit Hindi" pitchFamily="2"/>
-              </a:defRPr>
-            </a:lvl2pPr>
-            <a:lvl3pPr marL="1295999" marR="0" lvl="2" indent="-288000">
-              <a:spcBef>
-                <a:spcPts val="0"/>
-              </a:spcBef>
-              <a:spcAft>
-                <a:spcPts val="850"/>
-              </a:spcAft>
-              <a:buClr>
-                <a:srgbClr val="04617B"/>
-              </a:buClr>
-              <a:buSzPct val="45000"/>
-              <a:buFont typeface="StarSymbol"/>
-              <a:buChar char="●"/>
-              <a:defRPr lang="x-none" sz="2400" b="0" i="0" u="none" strike="noStrike" kern="1200">
-                <a:ln>
-                  <a:noFill/>
-                </a:ln>
-                <a:latin typeface="Source Sans Pro" pitchFamily="2"/>
-                <a:ea typeface="Droid Sans" pitchFamily="2"/>
-                <a:cs typeface="Lohit Hindi" pitchFamily="2"/>
-              </a:defRPr>
-            </a:lvl3pPr>
-            <a:lvl4pPr marL="1728000" marR="0" lvl="3" indent="-216000">
-              <a:spcBef>
-                <a:spcPts val="0"/>
-              </a:spcBef>
-              <a:spcAft>
-                <a:spcPts val="567"/>
-              </a:spcAft>
-              <a:buClr>
-                <a:srgbClr val="04617B"/>
-              </a:buClr>
-              <a:buSzPct val="75000"/>
-              <a:buFont typeface="StarSymbol"/>
-              <a:buChar char="–"/>
-              <a:defRPr lang="x-none" sz="2400" b="0" i="0" u="none" strike="noStrike" kern="1200">
-                <a:ln>
-                  <a:noFill/>
-                </a:ln>
-                <a:latin typeface="Source Sans Pro" pitchFamily="2"/>
-                <a:ea typeface="Droid Sans" pitchFamily="2"/>
-                <a:cs typeface="Lohit Hindi" pitchFamily="2"/>
-              </a:defRPr>
-            </a:lvl4pPr>
-            <a:lvl5pPr marL="2160000" marR="0" lvl="4" indent="-216000">
-              <a:spcBef>
-                <a:spcPts val="0"/>
-              </a:spcBef>
-              <a:spcAft>
-                <a:spcPts val="283"/>
-              </a:spcAft>
-              <a:buClr>
-                <a:srgbClr val="04617B"/>
-              </a:buClr>
-              <a:buSzPct val="45000"/>
-              <a:buFont typeface="StarSymbol"/>
-              <a:buChar char="●"/>
-              <a:defRPr lang="x-none" sz="2400" b="0" i="0" u="none" strike="noStrike" kern="1200">
-                <a:ln>
-                  <a:noFill/>
-                </a:ln>
-                <a:latin typeface="Source Sans Pro" pitchFamily="2"/>
-                <a:ea typeface="Droid Sans" pitchFamily="2"/>
-                <a:cs typeface="Lohit Hindi" pitchFamily="2"/>
-              </a:defRPr>
-            </a:lvl5pPr>
-            <a:lvl6pPr marL="2592000" marR="0" lvl="5" indent="-216000">
-              <a:spcBef>
-                <a:spcPts val="0"/>
-              </a:spcBef>
-              <a:spcAft>
-                <a:spcPts val="283"/>
-              </a:spcAft>
-              <a:buClr>
-                <a:srgbClr val="04617B"/>
-              </a:buClr>
-              <a:buSzPct val="45000"/>
-              <a:buFont typeface="StarSymbol"/>
-              <a:buChar char="●"/>
-              <a:defRPr lang="x-none" sz="2400" b="0" i="0" u="none" strike="noStrike" kern="1200">
-                <a:ln>
-                  <a:noFill/>
-                </a:ln>
-                <a:latin typeface="Source Sans Pro" pitchFamily="2"/>
-                <a:ea typeface="Droid Sans" pitchFamily="2"/>
-                <a:cs typeface="Lohit Hindi" pitchFamily="2"/>
-              </a:defRPr>
-            </a:lvl6pPr>
-            <a:lvl7pPr marL="3024000" marR="0" lvl="6" indent="-216000">
-              <a:spcBef>
-                <a:spcPts val="0"/>
-              </a:spcBef>
-              <a:spcAft>
-                <a:spcPts val="283"/>
-              </a:spcAft>
-              <a:buClr>
-                <a:srgbClr val="04617B"/>
-              </a:buClr>
-              <a:buSzPct val="45000"/>
-              <a:buFont typeface="StarSymbol"/>
-              <a:buChar char="●"/>
-              <a:defRPr lang="x-none" sz="2400" b="0" i="0" u="none" strike="noStrike" kern="1200">
-                <a:ln>
-                  <a:noFill/>
-                </a:ln>
-                <a:latin typeface="Source Sans Pro" pitchFamily="2"/>
-                <a:ea typeface="Droid Sans" pitchFamily="2"/>
-                <a:cs typeface="Lohit Hindi" pitchFamily="2"/>
-              </a:defRPr>
-            </a:lvl7pPr>
-            <a:lvl8pPr marL="3456000" marR="0" lvl="7" indent="-216000">
-              <a:spcBef>
-                <a:spcPts val="0"/>
-              </a:spcBef>
-              <a:spcAft>
-                <a:spcPts val="283"/>
-              </a:spcAft>
-              <a:buClr>
-                <a:srgbClr val="04617B"/>
-              </a:buClr>
-              <a:buSzPct val="45000"/>
-              <a:buFont typeface="StarSymbol"/>
-              <a:buChar char="●"/>
-              <a:defRPr lang="x-none" sz="2200" b="0" i="0" u="none" strike="noStrike" kern="1200">
-                <a:ln>
-                  <a:noFill/>
-                </a:ln>
-                <a:latin typeface="Source Sans Pro" pitchFamily="2"/>
-                <a:ea typeface="Droid Sans" pitchFamily="2"/>
-                <a:cs typeface="Lohit Hindi" pitchFamily="2"/>
-              </a:defRPr>
-            </a:lvl8pPr>
-            <a:lvl9pPr marL="3887999" marR="0" lvl="8" indent="-216000">
-              <a:spcBef>
-                <a:spcPts val="0"/>
-              </a:spcBef>
-              <a:spcAft>
-                <a:spcPts val="283"/>
-              </a:spcAft>
-              <a:buClr>
-                <a:srgbClr val="04617B"/>
-              </a:buClr>
-              <a:buSzPct val="45000"/>
-              <a:buFont typeface="StarSymbol"/>
-              <a:buChar char="●"/>
-              <a:defRPr lang="x-none" sz="2200" b="0" i="0" u="none" strike="noStrike" kern="1200">
-                <a:ln>
-                  <a:noFill/>
-                </a:ln>
-                <a:latin typeface="Source Sans Pro" pitchFamily="2"/>
-                <a:ea typeface="Droid Sans" pitchFamily="2"/>
-                <a:cs typeface="Lohit Hindi" pitchFamily="2"/>
-              </a:defRPr>
-            </a:lvl9pPr>
-          </a:lstStyle>
-          <a:p>
-            <a:pPr lvl="0"/>
-            <a:r>
-              <a:rPr lang="x-none"/>
-              <a:t>Se completo aproximadamente el 25% de las tareas asignadas.</a:t>
-            </a:r>
-          </a:p>
-          <a:p>
-            <a:pPr lvl="0"/>
-            <a:endParaRPr lang="x-none"/>
-          </a:p>
-        </p:txBody>
-      </p:sp>
-      <p:sp>
-        <p:nvSpPr>
-          <p:cNvPr id="4" name="3 CuadroTexto"/>
-          <p:cNvSpPr txBox="1"/>
-          <p:nvPr/>
-        </p:nvSpPr>
-        <p:spPr>
-          <a:xfrm>
-            <a:off x="925919" y="3024000"/>
-            <a:ext cx="10306080" cy="3559680"/>
-          </a:xfrm>
-          <a:prstGeom prst="rect">
-            <a:avLst/>
-          </a:prstGeom>
-          <a:noFill/>
-          <a:ln>
-            <a:noFill/>
-          </a:ln>
-        </p:spPr>
-        <p:txBody>
-          <a:bodyPr wrap="none" lIns="36000" tIns="36000" rIns="36000" bIns="36000" anchor="ctr" anchorCtr="0" compatLnSpc="0"/>
-          <a:lstStyle/>
-          <a:p>
-            <a:pPr marL="0" marR="0" lvl="0" indent="0" algn="l" rtl="0" hangingPunct="0">
-              <a:lnSpc>
-                <a:spcPct val="100000"/>
-              </a:lnSpc>
-              <a:spcBef>
-                <a:spcPts val="0"/>
-              </a:spcBef>
-              <a:spcAft>
-                <a:spcPts val="0"/>
-              </a:spcAft>
-              <a:buNone/>
-              <a:tabLst/>
-              <a:defRPr lang="x-none" sz="3200" b="0" i="0" u="none" strike="noStrike">
-                <a:ln>
-                  <a:noFill/>
-                </a:ln>
-                <a:latin typeface="Liberation Sans" pitchFamily="34"/>
-                <a:ea typeface="WenQuanYi Micro Hei" pitchFamily="2"/>
-                <a:cs typeface="FreeSans" pitchFamily="2"/>
-              </a:defRPr>
-            </a:pPr>
-            <a:r>
-              <a:rPr lang="x-none" sz="3200" b="0" i="0" u="none" strike="noStrike" kern="1200">
-                <a:ln>
-                  <a:noFill/>
-                </a:ln>
-                <a:latin typeface="Liberation Sans" pitchFamily="34"/>
-                <a:ea typeface="WenQuanYi Micro Hei" pitchFamily="2"/>
-                <a:cs typeface="FreeSans" pitchFamily="2"/>
-              </a:rPr>
-              <a:t>-Completacion de datos base de datos. -</a:t>
-            </a:r>
-            <a:r>
-              <a:rPr lang="x-none" sz="3200" b="0" i="0" u="none" strike="noStrike" kern="1200">
-                <a:ln>
-                  <a:noFill/>
-                </a:ln>
-                <a:solidFill>
-                  <a:srgbClr val="009933"/>
-                </a:solidFill>
-                <a:latin typeface="Liberation Sans" pitchFamily="34"/>
-                <a:ea typeface="WenQuanYi Micro Hei" pitchFamily="2"/>
-                <a:cs typeface="FreeSans" pitchFamily="2"/>
-              </a:rPr>
-              <a:t> completado.</a:t>
-            </a:r>
-          </a:p>
-          <a:p>
-            <a:pPr marL="0" marR="0" lvl="0" indent="0" algn="l" rtl="0" hangingPunct="0">
-              <a:lnSpc>
-                <a:spcPct val="100000"/>
-              </a:lnSpc>
-              <a:spcBef>
-                <a:spcPts val="0"/>
-              </a:spcBef>
-              <a:spcAft>
-                <a:spcPts val="0"/>
-              </a:spcAft>
-              <a:buNone/>
-              <a:tabLst/>
-              <a:defRPr lang="x-none" sz="3200" b="0" i="0" u="none" strike="noStrike">
-                <a:ln>
-                  <a:noFill/>
-                </a:ln>
-                <a:latin typeface="Liberation Sans" pitchFamily="34"/>
-                <a:ea typeface="WenQuanYi Micro Hei" pitchFamily="2"/>
-                <a:cs typeface="FreeSans" pitchFamily="2"/>
-              </a:defRPr>
-            </a:pPr>
-            <a:r>
-              <a:rPr lang="x-none" sz="3200" b="0" i="0" u="none" strike="noStrike" kern="1200">
-                <a:ln>
-                  <a:noFill/>
-                </a:ln>
-                <a:latin typeface="Liberation Sans" pitchFamily="34"/>
-                <a:ea typeface="WenQuanYi Micro Hei" pitchFamily="2"/>
-                <a:cs typeface="FreeSans" pitchFamily="2"/>
-              </a:rPr>
-              <a:t>-Creacion de pagina web. - </a:t>
-            </a:r>
-            <a:r>
-              <a:rPr lang="x-none" sz="3200" b="0" i="0" u="none" strike="noStrike" kern="1200">
-                <a:ln>
-                  <a:noFill/>
-                </a:ln>
-                <a:solidFill>
-                  <a:srgbClr val="FF0000"/>
-                </a:solidFill>
-                <a:latin typeface="Liberation Sans" pitchFamily="34"/>
-                <a:ea typeface="WenQuanYi Micro Hei" pitchFamily="2"/>
-                <a:cs typeface="FreeSans" pitchFamily="2"/>
-              </a:rPr>
-              <a:t>no completado.</a:t>
-            </a:r>
-          </a:p>
-          <a:p>
-            <a:pPr marL="0" marR="0" lvl="0" indent="0" algn="l" rtl="0" hangingPunct="0">
-              <a:lnSpc>
-                <a:spcPct val="100000"/>
-              </a:lnSpc>
-              <a:spcBef>
-                <a:spcPts val="0"/>
-              </a:spcBef>
-              <a:spcAft>
-                <a:spcPts val="0"/>
-              </a:spcAft>
-              <a:buNone/>
-              <a:tabLst/>
-              <a:defRPr lang="x-none" sz="3200" b="0" i="0" u="none" strike="noStrike">
-                <a:ln>
-                  <a:noFill/>
-                </a:ln>
-                <a:latin typeface="Liberation Sans" pitchFamily="34"/>
-                <a:ea typeface="WenQuanYi Micro Hei" pitchFamily="2"/>
-                <a:cs typeface="FreeSans" pitchFamily="2"/>
-              </a:defRPr>
-            </a:pPr>
-            <a:r>
-              <a:rPr lang="x-none" sz="3200" b="0" i="0" u="none" strike="noStrike" kern="1200">
-                <a:ln>
-                  <a:noFill/>
-                </a:ln>
-                <a:latin typeface="Liberation Sans" pitchFamily="34"/>
-                <a:ea typeface="WenQuanYi Micro Hei" pitchFamily="2"/>
-                <a:cs typeface="FreeSans" pitchFamily="2"/>
-              </a:rPr>
-              <a:t>-Investigacion sistema de graficado. - </a:t>
-            </a:r>
-            <a:r>
-              <a:rPr lang="x-none" sz="3200" b="0" i="0" u="none" strike="noStrike" kern="1200">
-                <a:ln>
-                  <a:noFill/>
-                </a:ln>
-                <a:solidFill>
-                  <a:srgbClr val="FF0000"/>
-                </a:solidFill>
-                <a:latin typeface="Liberation Sans" pitchFamily="34"/>
-                <a:ea typeface="WenQuanYi Micro Hei" pitchFamily="2"/>
-                <a:cs typeface="FreeSans" pitchFamily="2"/>
-              </a:rPr>
-              <a:t>no completado.</a:t>
-            </a:r>
-          </a:p>
-          <a:p>
-            <a:pPr marL="0" marR="0" lvl="0" indent="0" algn="l" hangingPunct="0">
-              <a:lnSpc>
-                <a:spcPct val="100000"/>
-              </a:lnSpc>
-              <a:spcBef>
-                <a:spcPts val="0"/>
-              </a:spcBef>
-              <a:spcAft>
-                <a:spcPts val="0"/>
-              </a:spcAft>
-              <a:buNone/>
-              <a:tabLst/>
-              <a:defRPr lang="x-none"/>
-            </a:pPr>
-            <a:r>
-              <a:rPr lang="x-none" sz="2800" b="0" i="0" u="none" strike="noStrike" kern="1200">
-                <a:ln>
-                  <a:noFill/>
-                </a:ln>
-                <a:latin typeface="Source Sans Pro" pitchFamily="2"/>
-                <a:ea typeface="Droid Sans" pitchFamily="2"/>
-                <a:cs typeface="Lohit Hindi" pitchFamily="2"/>
-              </a:rPr>
-              <a:t>-Creacion de pagina login. - </a:t>
-            </a:r>
-            <a:r>
-              <a:rPr lang="x-none" sz="2800" b="0" i="0" u="none" strike="noStrike" kern="1200">
-                <a:ln>
-                  <a:noFill/>
-                </a:ln>
-                <a:solidFill>
-                  <a:srgbClr val="FF0000"/>
-                </a:solidFill>
-                <a:latin typeface="Source Sans Pro" pitchFamily="2"/>
-                <a:ea typeface="Droid Sans" pitchFamily="2"/>
-                <a:cs typeface="Lohit Hindi" pitchFamily="2"/>
-              </a:rPr>
-              <a:t>no completado.</a:t>
-            </a:r>
-          </a:p>
-        </p:txBody>
-      </p:sp>
-    </p:spTree>
-  </p:cSld>
-  <p:clrMapOvr>
-    <a:masterClrMapping/>
-  </p:clrMapOvr>
-  <mc:AlternateContent xmlns:mc="http://schemas.openxmlformats.org/markup-compatibility/2006">
-    <mc:Choice xmlns:p14="http://schemas.microsoft.com/office/powerpoint/2010/main" Requires="p14">
-      <p:transition spd="slow" p14:dur="2000"/>
-    </mc:Choice>
-    <mc:Fallback>
-      <p:transition spd="slow"/>
-    </mc:Fallback>
-  </mc:AlternateContent>
-  <p:timing>
-    <p:tnLst>
-      <p:par>
-        <p:cTn id="1" dur="indefinite" restart="never" nodeType="tmRoot"/>
-      </p:par>
-    </p:tnLst>
-  </p:timing>
-</p:sld>
-</file>
-
-<file path=ppt/slides/slide12.xml><?xml version="1.0" encoding="utf-8"?>
-<p:sld xmlns:a="http://schemas.openxmlformats.org/drawingml/2006/main" xmlns:r="http://schemas.openxmlformats.org/officeDocument/2006/relationships" xmlns:p="http://schemas.openxmlformats.org/presentationml/2006/main">
-  <p:cSld name="page9">
-    <p:spTree>
-      <p:nvGrpSpPr>
-        <p:cNvPr id="1" name=""/>
-        <p:cNvGrpSpPr/>
-        <p:nvPr/>
-      </p:nvGrpSpPr>
-      <p:grpSpPr>
-        <a:xfrm>
-          <a:off x="0" y="0"/>
-          <a:ext cx="0" cy="0"/>
-          <a:chOff x="0" y="0"/>
-          <a:chExt cx="0" cy="0"/>
-        </a:xfrm>
-      </p:grpSpPr>
-      <p:sp>
-        <p:nvSpPr>
-          <p:cNvPr id="2" name="1 Título"/>
-          <p:cNvSpPr txBox="1">
-            <a:spLocks noGrp="1"/>
-          </p:cNvSpPr>
-          <p:nvPr>
-            <p:ph type="title" idx="4294967295"/>
-          </p:nvPr>
-        </p:nvSpPr>
-        <p:spPr/>
-        <p:txBody>
-          <a:bodyPr/>
-          <a:lstStyle>
-            <a:defPPr lvl="0">
-              <a:buSzPct val="45000"/>
-              <a:buFont typeface="StarSymbol"/>
-              <a:buNone/>
-            </a:defPPr>
-            <a:lvl1pPr lvl="0">
-              <a:buSzPct val="45000"/>
-              <a:buFont typeface="StarSymbol"/>
-              <a:buChar char="●"/>
-            </a:lvl1pPr>
-            <a:lvl2pPr lvl="1">
-              <a:buSzPct val="45000"/>
-              <a:buFont typeface="StarSymbol"/>
-              <a:buChar char="●"/>
-            </a:lvl2pPr>
-            <a:lvl3pPr lvl="2">
-              <a:buSzPct val="45000"/>
-              <a:buFont typeface="StarSymbol"/>
-              <a:buChar char="●"/>
-            </a:lvl3pPr>
-            <a:lvl4pPr lvl="3">
-              <a:buSzPct val="45000"/>
-              <a:buFont typeface="StarSymbol"/>
-              <a:buChar char="●"/>
-            </a:lvl4pPr>
-            <a:lvl5pPr lvl="4">
-              <a:buSzPct val="45000"/>
-              <a:buFont typeface="StarSymbol"/>
-              <a:buChar char="●"/>
-            </a:lvl5pPr>
-            <a:lvl6pPr lvl="5">
-              <a:buSzPct val="45000"/>
-              <a:buFont typeface="StarSymbol"/>
-              <a:buChar char="●"/>
-            </a:lvl6pPr>
-            <a:lvl7pPr lvl="6">
-              <a:buSzPct val="45000"/>
-              <a:buFont typeface="StarSymbol"/>
-              <a:buChar char="●"/>
-            </a:lvl7pPr>
-            <a:lvl8pPr lvl="7">
-              <a:buSzPct val="45000"/>
-              <a:buFont typeface="StarSymbol"/>
-              <a:buChar char="●"/>
-            </a:lvl8pPr>
-            <a:lvl9pPr lvl="8">
-              <a:buSzPct val="45000"/>
-              <a:buFont typeface="StarSymbol"/>
-              <a:buChar char="●"/>
-            </a:lvl9pPr>
-          </a:lstStyle>
-          <a:p>
-            <a:pPr lvl="0">
-              <a:buNone/>
-            </a:pPr>
-            <a:r>
-              <a:rPr lang="x-none"/>
-              <a:t>Objetivos proximo sprint.	</a:t>
-            </a:r>
-          </a:p>
-        </p:txBody>
-      </p:sp>
-      <p:sp>
-        <p:nvSpPr>
-          <p:cNvPr id="3" name="2 Marcador de texto"/>
-          <p:cNvSpPr txBox="1">
-            <a:spLocks noGrp="1"/>
-          </p:cNvSpPr>
-          <p:nvPr>
-            <p:ph type="body" idx="4294967295"/>
-          </p:nvPr>
-        </p:nvSpPr>
-        <p:spPr/>
-        <p:txBody>
-          <a:bodyPr/>
-          <a:lstStyle>
-            <a:defPPr marL="432000" marR="0" lvl="0" indent="-324000">
-              <a:spcBef>
-                <a:spcPts val="0"/>
-              </a:spcBef>
-              <a:spcAft>
-                <a:spcPts val="1409"/>
-              </a:spcAft>
-              <a:buClr>
-                <a:srgbClr val="04617B"/>
-              </a:buClr>
-              <a:buSzPct val="45000"/>
-              <a:buFont typeface="StarSymbol"/>
-              <a:buNone/>
-              <a:defRPr lang="x-none" sz="3200" b="0" i="0" u="none" strike="noStrike" kern="1200">
-                <a:ln>
-                  <a:noFill/>
-                </a:ln>
-                <a:latin typeface="Source Sans Pro" pitchFamily="2"/>
-                <a:ea typeface="Droid Sans" pitchFamily="2"/>
-                <a:cs typeface="Lohit Hindi" pitchFamily="2"/>
-              </a:defRPr>
-            </a:defPPr>
-            <a:lvl1pPr marL="432000" marR="0" lvl="0" indent="-324000">
-              <a:spcBef>
-                <a:spcPts val="0"/>
-              </a:spcBef>
-              <a:spcAft>
-                <a:spcPts val="1409"/>
-              </a:spcAft>
-              <a:buClr>
-                <a:srgbClr val="04617B"/>
-              </a:buClr>
-              <a:buSzPct val="45000"/>
-              <a:buFont typeface="StarSymbol"/>
-              <a:buChar char="●"/>
-              <a:defRPr lang="x-none" sz="3200" b="0" i="0" u="none" strike="noStrike" kern="1200">
-                <a:ln>
-                  <a:noFill/>
-                </a:ln>
-                <a:latin typeface="Source Sans Pro" pitchFamily="2"/>
-                <a:ea typeface="Droid Sans" pitchFamily="2"/>
-                <a:cs typeface="Lohit Hindi" pitchFamily="2"/>
-              </a:defRPr>
-            </a:lvl1pPr>
-            <a:lvl2pPr marL="864000" marR="0" lvl="1" indent="-324000">
-              <a:spcBef>
-                <a:spcPts val="0"/>
-              </a:spcBef>
-              <a:spcAft>
-                <a:spcPts val="1123"/>
-              </a:spcAft>
-              <a:buClr>
-                <a:srgbClr val="04617B"/>
-              </a:buClr>
-              <a:buSzPct val="75000"/>
-              <a:buFont typeface="StarSymbol"/>
-              <a:buChar char="–"/>
-              <a:defRPr lang="x-none" sz="2800" b="0" i="0" u="none" strike="noStrike" kern="1200">
-                <a:ln>
-                  <a:noFill/>
-                </a:ln>
-                <a:latin typeface="Source Sans Pro" pitchFamily="2"/>
-                <a:ea typeface="Droid Sans" pitchFamily="2"/>
-                <a:cs typeface="Lohit Hindi" pitchFamily="2"/>
-              </a:defRPr>
-            </a:lvl2pPr>
-            <a:lvl3pPr marL="1295999" marR="0" lvl="2" indent="-288000">
-              <a:spcBef>
-                <a:spcPts val="0"/>
-              </a:spcBef>
-              <a:spcAft>
-                <a:spcPts val="850"/>
-              </a:spcAft>
-              <a:buClr>
-                <a:srgbClr val="04617B"/>
-              </a:buClr>
-              <a:buSzPct val="45000"/>
-              <a:buFont typeface="StarSymbol"/>
-              <a:buChar char="●"/>
-              <a:defRPr lang="x-none" sz="2400" b="0" i="0" u="none" strike="noStrike" kern="1200">
-                <a:ln>
-                  <a:noFill/>
-                </a:ln>
-                <a:latin typeface="Source Sans Pro" pitchFamily="2"/>
-                <a:ea typeface="Droid Sans" pitchFamily="2"/>
-                <a:cs typeface="Lohit Hindi" pitchFamily="2"/>
-              </a:defRPr>
-            </a:lvl3pPr>
-            <a:lvl4pPr marL="1728000" marR="0" lvl="3" indent="-216000">
-              <a:spcBef>
-                <a:spcPts val="0"/>
-              </a:spcBef>
-              <a:spcAft>
-                <a:spcPts val="567"/>
-              </a:spcAft>
-              <a:buClr>
-                <a:srgbClr val="04617B"/>
-              </a:buClr>
-              <a:buSzPct val="75000"/>
-              <a:buFont typeface="StarSymbol"/>
-              <a:buChar char="–"/>
-              <a:defRPr lang="x-none" sz="2400" b="0" i="0" u="none" strike="noStrike" kern="1200">
-                <a:ln>
-                  <a:noFill/>
-                </a:ln>
-                <a:latin typeface="Source Sans Pro" pitchFamily="2"/>
-                <a:ea typeface="Droid Sans" pitchFamily="2"/>
-                <a:cs typeface="Lohit Hindi" pitchFamily="2"/>
-              </a:defRPr>
-            </a:lvl4pPr>
-            <a:lvl5pPr marL="2160000" marR="0" lvl="4" indent="-216000">
-              <a:spcBef>
-                <a:spcPts val="0"/>
-              </a:spcBef>
-              <a:spcAft>
-                <a:spcPts val="283"/>
-              </a:spcAft>
-              <a:buClr>
-                <a:srgbClr val="04617B"/>
-              </a:buClr>
-              <a:buSzPct val="45000"/>
-              <a:buFont typeface="StarSymbol"/>
-              <a:buChar char="●"/>
-              <a:defRPr lang="x-none" sz="2400" b="0" i="0" u="none" strike="noStrike" kern="1200">
-                <a:ln>
-                  <a:noFill/>
-                </a:ln>
-                <a:latin typeface="Source Sans Pro" pitchFamily="2"/>
-                <a:ea typeface="Droid Sans" pitchFamily="2"/>
-                <a:cs typeface="Lohit Hindi" pitchFamily="2"/>
-              </a:defRPr>
-            </a:lvl5pPr>
-            <a:lvl6pPr marL="2592000" marR="0" lvl="5" indent="-216000">
-              <a:spcBef>
-                <a:spcPts val="0"/>
-              </a:spcBef>
-              <a:spcAft>
-                <a:spcPts val="283"/>
-              </a:spcAft>
-              <a:buClr>
-                <a:srgbClr val="04617B"/>
-              </a:buClr>
-              <a:buSzPct val="45000"/>
-              <a:buFont typeface="StarSymbol"/>
-              <a:buChar char="●"/>
-              <a:defRPr lang="x-none" sz="2400" b="0" i="0" u="none" strike="noStrike" kern="1200">
-                <a:ln>
-                  <a:noFill/>
-                </a:ln>
-                <a:latin typeface="Source Sans Pro" pitchFamily="2"/>
-                <a:ea typeface="Droid Sans" pitchFamily="2"/>
-                <a:cs typeface="Lohit Hindi" pitchFamily="2"/>
-              </a:defRPr>
-            </a:lvl6pPr>
-            <a:lvl7pPr marL="3024000" marR="0" lvl="6" indent="-216000">
-              <a:spcBef>
-                <a:spcPts val="0"/>
-              </a:spcBef>
-              <a:spcAft>
-                <a:spcPts val="283"/>
-              </a:spcAft>
-              <a:buClr>
-                <a:srgbClr val="04617B"/>
-              </a:buClr>
-              <a:buSzPct val="45000"/>
-              <a:buFont typeface="StarSymbol"/>
-              <a:buChar char="●"/>
-              <a:defRPr lang="x-none" sz="2400" b="0" i="0" u="none" strike="noStrike" kern="1200">
-                <a:ln>
-                  <a:noFill/>
-                </a:ln>
-                <a:latin typeface="Source Sans Pro" pitchFamily="2"/>
-                <a:ea typeface="Droid Sans" pitchFamily="2"/>
-                <a:cs typeface="Lohit Hindi" pitchFamily="2"/>
-              </a:defRPr>
-            </a:lvl7pPr>
-            <a:lvl8pPr marL="3456000" marR="0" lvl="7" indent="-216000">
-              <a:spcBef>
-                <a:spcPts val="0"/>
-              </a:spcBef>
-              <a:spcAft>
-                <a:spcPts val="283"/>
-              </a:spcAft>
-              <a:buClr>
-                <a:srgbClr val="04617B"/>
-              </a:buClr>
-              <a:buSzPct val="45000"/>
-              <a:buFont typeface="StarSymbol"/>
-              <a:buChar char="●"/>
-              <a:defRPr lang="x-none" sz="2200" b="0" i="0" u="none" strike="noStrike" kern="1200">
-                <a:ln>
-                  <a:noFill/>
-                </a:ln>
-                <a:latin typeface="Source Sans Pro" pitchFamily="2"/>
-                <a:ea typeface="Droid Sans" pitchFamily="2"/>
-                <a:cs typeface="Lohit Hindi" pitchFamily="2"/>
-              </a:defRPr>
-            </a:lvl8pPr>
-            <a:lvl9pPr marL="3887999" marR="0" lvl="8" indent="-216000">
-              <a:spcBef>
-                <a:spcPts val="0"/>
-              </a:spcBef>
-              <a:spcAft>
-                <a:spcPts val="283"/>
-              </a:spcAft>
-              <a:buClr>
-                <a:srgbClr val="04617B"/>
-              </a:buClr>
-              <a:buSzPct val="45000"/>
-              <a:buFont typeface="StarSymbol"/>
-              <a:buChar char="●"/>
-              <a:defRPr lang="x-none" sz="2200" b="0" i="0" u="none" strike="noStrike" kern="1200">
-                <a:ln>
-                  <a:noFill/>
-                </a:ln>
-                <a:latin typeface="Source Sans Pro" pitchFamily="2"/>
-                <a:ea typeface="Droid Sans" pitchFamily="2"/>
-                <a:cs typeface="Lohit Hindi" pitchFamily="2"/>
-              </a:defRPr>
-            </a:lvl9pPr>
-          </a:lstStyle>
-          <a:p>
-            <a:pPr lvl="0" algn="l" rtl="0">
-              <a:buNone/>
-            </a:pPr>
-            <a:r>
-              <a:rPr lang="x-none" smtClean="0">
-                <a:latin typeface="Liberation Sans" pitchFamily="34"/>
-              </a:rPr>
-              <a:t>-</a:t>
-            </a:r>
-            <a:r>
-              <a:rPr lang="es-CL" dirty="0" smtClean="0">
-                <a:latin typeface="Liberation Sans" pitchFamily="34"/>
-              </a:rPr>
-              <a:t>C</a:t>
-            </a:r>
-            <a:r>
-              <a:rPr lang="x-none" smtClean="0">
-                <a:latin typeface="Liberation Sans" pitchFamily="34"/>
-              </a:rPr>
-              <a:t>ontinuar </a:t>
-            </a:r>
-            <a:r>
-              <a:rPr lang="x-none">
-                <a:latin typeface="Liberation Sans" pitchFamily="34"/>
-              </a:rPr>
-              <a:t>el llenado de datos base de datos nutricionales.</a:t>
-            </a:r>
-          </a:p>
-          <a:p>
-            <a:pPr lvl="0" algn="l" rtl="0">
-              <a:buNone/>
-            </a:pPr>
-            <a:r>
-              <a:rPr lang="x-none">
-                <a:latin typeface="Liberation Sans" pitchFamily="34"/>
-              </a:rPr>
-              <a:t>-Creacion de pagina web.</a:t>
-            </a:r>
-          </a:p>
-          <a:p>
-            <a:pPr lvl="0" algn="l" rtl="0">
-              <a:buNone/>
-            </a:pPr>
-            <a:r>
-              <a:rPr lang="x-none">
-                <a:latin typeface="Liberation Sans" pitchFamily="34"/>
-              </a:rPr>
-              <a:t>-Investigacion sistema de graficado.</a:t>
-            </a:r>
-          </a:p>
-          <a:p>
-            <a:pPr lvl="0" algn="l" rtl="0">
-              <a:buNone/>
-            </a:pPr>
-            <a:r>
-              <a:rPr lang="x-none">
-                <a:latin typeface="Liberation Sans" pitchFamily="34"/>
-              </a:rPr>
-              <a:t>-Creacion de pagina login.</a:t>
-            </a:r>
-          </a:p>
-        </p:txBody>
-      </p:sp>
-    </p:spTree>
-  </p:cSld>
-  <p:clrMapOvr>
-    <a:masterClrMapping/>
-  </p:clrMapOvr>
-  <mc:AlternateContent xmlns:mc="http://schemas.openxmlformats.org/markup-compatibility/2006">
-    <mc:Choice xmlns:p14="http://schemas.microsoft.com/office/powerpoint/2010/main" Requires="p14">
-      <p:transition spd="slow" p14:dur="2000"/>
-    </mc:Choice>
-    <mc:Fallback>
+    <mc:Fallback xmlns="">
       <p:transition spd="slow"/>
     </mc:Fallback>
   </mc:AlternateContent>
@@ -13185,11 +11557,11 @@
   <p:clrMapOvr>
     <a:masterClrMapping/>
   </p:clrMapOvr>
-  <mc:AlternateContent xmlns:mc="http://schemas.openxmlformats.org/markup-compatibility/2006">
-    <mc:Choice xmlns:p14="http://schemas.microsoft.com/office/powerpoint/2010/main" Requires="p14">
+  <mc:AlternateContent xmlns:mc="http://schemas.openxmlformats.org/markup-compatibility/2006" xmlns:p14="http://schemas.microsoft.com/office/powerpoint/2010/main">
+    <mc:Choice Requires="p14">
       <p:transition spd="slow" p14:dur="2000"/>
     </mc:Choice>
-    <mc:Fallback>
+    <mc:Fallback xmlns="">
       <p:transition spd="slow"/>
     </mc:Fallback>
   </mc:AlternateContent>
@@ -13204,6 +11576,283 @@
 </file>
 
 <file path=ppt/slides/slide3.xml><?xml version="1.0" encoding="utf-8"?>
+<p:sld xmlns:a="http://schemas.openxmlformats.org/drawingml/2006/main" xmlns:r="http://schemas.openxmlformats.org/officeDocument/2006/relationships" xmlns:p="http://schemas.openxmlformats.org/presentationml/2006/main">
+  <p:cSld name="page4">
+    <p:spTree>
+      <p:nvGrpSpPr>
+        <p:cNvPr id="1" name=""/>
+        <p:cNvGrpSpPr/>
+        <p:nvPr/>
+      </p:nvGrpSpPr>
+      <p:grpSpPr>
+        <a:xfrm>
+          <a:off x="0" y="0"/>
+          <a:ext cx="0" cy="0"/>
+          <a:chOff x="0" y="0"/>
+          <a:chExt cx="0" cy="0"/>
+        </a:xfrm>
+      </p:grpSpPr>
+      <p:sp>
+        <p:nvSpPr>
+          <p:cNvPr id="2" name="1 Título"/>
+          <p:cNvSpPr txBox="1">
+            <a:spLocks noGrp="1"/>
+          </p:cNvSpPr>
+          <p:nvPr>
+            <p:ph type="title" idx="4294967295"/>
+          </p:nvPr>
+        </p:nvSpPr>
+        <p:spPr/>
+        <p:txBody>
+          <a:bodyPr/>
+          <a:lstStyle>
+            <a:defPPr lvl="0">
+              <a:buSzPct val="45000"/>
+              <a:buFont typeface="StarSymbol"/>
+              <a:buNone/>
+            </a:defPPr>
+            <a:lvl1pPr lvl="0">
+              <a:buSzPct val="45000"/>
+              <a:buFont typeface="StarSymbol"/>
+              <a:buChar char="●"/>
+            </a:lvl1pPr>
+            <a:lvl2pPr lvl="1">
+              <a:buSzPct val="45000"/>
+              <a:buFont typeface="StarSymbol"/>
+              <a:buChar char="●"/>
+            </a:lvl2pPr>
+            <a:lvl3pPr lvl="2">
+              <a:buSzPct val="45000"/>
+              <a:buFont typeface="StarSymbol"/>
+              <a:buChar char="●"/>
+            </a:lvl3pPr>
+            <a:lvl4pPr lvl="3">
+              <a:buSzPct val="45000"/>
+              <a:buFont typeface="StarSymbol"/>
+              <a:buChar char="●"/>
+            </a:lvl4pPr>
+            <a:lvl5pPr lvl="4">
+              <a:buSzPct val="45000"/>
+              <a:buFont typeface="StarSymbol"/>
+              <a:buChar char="●"/>
+            </a:lvl5pPr>
+            <a:lvl6pPr lvl="5">
+              <a:buSzPct val="45000"/>
+              <a:buFont typeface="StarSymbol"/>
+              <a:buChar char="●"/>
+            </a:lvl6pPr>
+            <a:lvl7pPr lvl="6">
+              <a:buSzPct val="45000"/>
+              <a:buFont typeface="StarSymbol"/>
+              <a:buChar char="●"/>
+            </a:lvl7pPr>
+            <a:lvl8pPr lvl="7">
+              <a:buSzPct val="45000"/>
+              <a:buFont typeface="StarSymbol"/>
+              <a:buChar char="●"/>
+            </a:lvl8pPr>
+            <a:lvl9pPr lvl="8">
+              <a:buSzPct val="45000"/>
+              <a:buFont typeface="StarSymbol"/>
+              <a:buChar char="●"/>
+            </a:lvl9pPr>
+          </a:lstStyle>
+          <a:p>
+            <a:pPr lvl="0">
+              <a:buNone/>
+            </a:pPr>
+            <a:r>
+              <a:rPr lang="x-none" smtClean="0"/>
+              <a:t>SprintBackLog</a:t>
+            </a:r>
+            <a:endParaRPr lang="x-none"/>
+          </a:p>
+        </p:txBody>
+      </p:sp>
+      <p:pic>
+        <p:nvPicPr>
+          <p:cNvPr id="1026" name="Picture 2" descr="C:\Users\SAMUEL\Desktop\integracion\presentacion\Captura de pantalla de 2017-10-17 14-31-47.png"/>
+          <p:cNvPicPr>
+            <a:picLocks noChangeAspect="1" noChangeArrowheads="1"/>
+          </p:cNvPicPr>
+          <p:nvPr/>
+        </p:nvPicPr>
+        <p:blipFill>
+          <a:blip r:embed="rId3">
+            <a:extLst>
+              <a:ext uri="{28A0092B-C50C-407E-A947-70E740481C1C}">
+                <a14:useLocalDpi xmlns:a14="http://schemas.microsoft.com/office/drawing/2010/main" val="0"/>
+              </a:ext>
+            </a:extLst>
+          </a:blip>
+          <a:srcRect/>
+          <a:stretch>
+            <a:fillRect/>
+          </a:stretch>
+        </p:blipFill>
+        <p:spPr bwMode="auto">
+          <a:xfrm>
+            <a:off x="310530" y="1595014"/>
+            <a:ext cx="10801200" cy="5964661"/>
+          </a:xfrm>
+          <a:prstGeom prst="rect">
+            <a:avLst/>
+          </a:prstGeom>
+          <a:noFill/>
+          <a:extLst>
+            <a:ext uri="{909E8E84-426E-40DD-AFC4-6F175D3DCCD1}">
+              <a14:hiddenFill xmlns:a14="http://schemas.microsoft.com/office/drawing/2010/main">
+                <a:solidFill>
+                  <a:srgbClr val="FFFFFF"/>
+                </a:solidFill>
+              </a14:hiddenFill>
+            </a:ext>
+          </a:extLst>
+        </p:spPr>
+      </p:pic>
+    </p:spTree>
+  </p:cSld>
+  <p:clrMapOvr>
+    <a:masterClrMapping/>
+  </p:clrMapOvr>
+  <mc:AlternateContent xmlns:mc="http://schemas.openxmlformats.org/markup-compatibility/2006" xmlns:p14="http://schemas.microsoft.com/office/powerpoint/2010/main">
+    <mc:Choice Requires="p14">
+      <p:transition spd="slow" p14:dur="2000"/>
+    </mc:Choice>
+    <mc:Fallback xmlns="">
+      <p:transition spd="slow"/>
+    </mc:Fallback>
+  </mc:AlternateContent>
+  <p:timing>
+    <p:tnLst>
+      <p:par>
+        <p:cTn id="1" dur="indefinite" restart="never" nodeType="tmRoot"/>
+      </p:par>
+    </p:tnLst>
+  </p:timing>
+</p:sld>
+</file>
+
+<file path=ppt/slides/slide4.xml><?xml version="1.0" encoding="utf-8"?>
+<p:sld xmlns:a="http://schemas.openxmlformats.org/drawingml/2006/main" xmlns:r="http://schemas.openxmlformats.org/officeDocument/2006/relationships" xmlns:p="http://schemas.openxmlformats.org/presentationml/2006/main">
+  <p:cSld>
+    <p:spTree>
+      <p:nvGrpSpPr>
+        <p:cNvPr id="1" name=""/>
+        <p:cNvGrpSpPr/>
+        <p:nvPr/>
+      </p:nvGrpSpPr>
+      <p:grpSpPr>
+        <a:xfrm>
+          <a:off x="0" y="0"/>
+          <a:ext cx="0" cy="0"/>
+          <a:chOff x="0" y="0"/>
+          <a:chExt cx="0" cy="0"/>
+        </a:xfrm>
+      </p:grpSpPr>
+      <p:sp>
+        <p:nvSpPr>
+          <p:cNvPr id="2" name="1 CuadroTexto"/>
+          <p:cNvSpPr txBox="1"/>
+          <p:nvPr/>
+        </p:nvSpPr>
+        <p:spPr>
+          <a:xfrm>
+            <a:off x="382538" y="447258"/>
+            <a:ext cx="9433048" cy="1015663"/>
+          </a:xfrm>
+          <a:prstGeom prst="rect">
+            <a:avLst/>
+          </a:prstGeom>
+          <a:noFill/>
+        </p:spPr>
+        <p:txBody>
+          <a:bodyPr wrap="square" rtlCol="0">
+            <a:spAutoFit/>
+          </a:bodyPr>
+          <a:lstStyle/>
+          <a:p>
+            <a:r>
+              <a:rPr lang="es-CL" sz="6000" dirty="0" err="1" smtClean="0">
+                <a:solidFill>
+                  <a:schemeClr val="bg1"/>
+                </a:solidFill>
+                <a:latin typeface="Source Sans Pro Light"/>
+              </a:rPr>
+              <a:t>SprintBackLog</a:t>
+            </a:r>
+            <a:endParaRPr lang="es-CL" sz="6000" dirty="0">
+              <a:solidFill>
+                <a:schemeClr val="bg1"/>
+              </a:solidFill>
+              <a:latin typeface="Source Sans Pro Light"/>
+            </a:endParaRPr>
+          </a:p>
+        </p:txBody>
+      </p:sp>
+      <p:pic>
+        <p:nvPicPr>
+          <p:cNvPr id="2050" name="Picture 2" descr="C:\Users\SAMUEL\Desktop\integracion\presentacion\Captura de pantalla de 2017-10-17 14-32-24.png"/>
+          <p:cNvPicPr>
+            <a:picLocks noChangeAspect="1" noChangeArrowheads="1"/>
+          </p:cNvPicPr>
+          <p:nvPr/>
+        </p:nvPicPr>
+        <p:blipFill>
+          <a:blip r:embed="rId2">
+            <a:extLst>
+              <a:ext uri="{28A0092B-C50C-407E-A947-70E740481C1C}">
+                <a14:useLocalDpi xmlns:a14="http://schemas.microsoft.com/office/drawing/2010/main" val="0"/>
+              </a:ext>
+            </a:extLst>
+          </a:blip>
+          <a:srcRect/>
+          <a:stretch>
+            <a:fillRect/>
+          </a:stretch>
+        </p:blipFill>
+        <p:spPr bwMode="auto">
+          <a:xfrm>
+            <a:off x="166513" y="1739521"/>
+            <a:ext cx="11673593" cy="4632603"/>
+          </a:xfrm>
+          <a:prstGeom prst="rect">
+            <a:avLst/>
+          </a:prstGeom>
+          <a:noFill/>
+          <a:extLst>
+            <a:ext uri="{909E8E84-426E-40DD-AFC4-6F175D3DCCD1}">
+              <a14:hiddenFill xmlns:a14="http://schemas.microsoft.com/office/drawing/2010/main">
+                <a:solidFill>
+                  <a:srgbClr val="FFFFFF"/>
+                </a:solidFill>
+              </a14:hiddenFill>
+            </a:ext>
+          </a:extLst>
+        </p:spPr>
+      </p:pic>
+    </p:spTree>
+    <p:extLst>
+      <p:ext uri="{BB962C8B-B14F-4D97-AF65-F5344CB8AC3E}">
+        <p14:creationId xmlns:p14="http://schemas.microsoft.com/office/powerpoint/2010/main" val="3115943712"/>
+      </p:ext>
+    </p:extLst>
+  </p:cSld>
+  <p:clrMapOvr>
+    <a:masterClrMapping/>
+  </p:clrMapOvr>
+  <mc:AlternateContent xmlns:mc="http://schemas.openxmlformats.org/markup-compatibility/2006" xmlns:p14="http://schemas.microsoft.com/office/powerpoint/2010/main">
+    <mc:Choice Requires="p14">
+      <p:transition spd="slow" p14:dur="2000"/>
+    </mc:Choice>
+    <mc:Fallback xmlns="">
+      <p:transition spd="slow"/>
+    </mc:Fallback>
+  </mc:AlternateContent>
+</p:sld>
+</file>
+
+<file path=ppt/slides/slide5.xml><?xml version="1.0" encoding="utf-8"?>
 <p:sld xmlns:a="http://schemas.openxmlformats.org/drawingml/2006/main" xmlns:r="http://schemas.openxmlformats.org/officeDocument/2006/relationships" xmlns:p="http://schemas.openxmlformats.org/presentationml/2006/main">
   <p:cSld name="page3">
     <p:spTree>
@@ -13541,44 +12190,90 @@
               <a:buNone/>
             </a:pPr>
             <a:r>
-              <a:rPr lang="x-none">
+              <a:rPr lang="x-none" smtClean="0">
                 <a:latin typeface="Liberation Sans" pitchFamily="34"/>
               </a:rPr>
-              <a:t>-Completacion de datos base de datos.</a:t>
-            </a:r>
-          </a:p>
-          <a:p>
-            <a:pPr lvl="0" algn="l" rtl="0">
-              <a:buNone/>
-            </a:pPr>
-            <a:r>
-              <a:rPr lang="x-none">
+              <a:t>-</a:t>
+            </a:r>
+            <a:r>
+              <a:rPr lang="es-CL" dirty="0" smtClean="0">
                 <a:latin typeface="Liberation Sans" pitchFamily="34"/>
               </a:rPr>
-              <a:t>-Creacion de pagina web.</a:t>
-            </a:r>
-          </a:p>
-          <a:p>
-            <a:pPr lvl="0" algn="l" rtl="0">
-              <a:buNone/>
-            </a:pPr>
-            <a:r>
-              <a:rPr lang="x-none">
+              <a:t>Búsqueda alimentos</a:t>
+            </a:r>
+            <a:r>
+              <a:rPr lang="x-none" smtClean="0">
                 <a:latin typeface="Liberation Sans" pitchFamily="34"/>
               </a:rPr>
-              <a:t>-Investigacion sistema de graficado.</a:t>
-            </a:r>
+              <a:t>.</a:t>
+            </a:r>
+            <a:endParaRPr lang="x-none">
+              <a:latin typeface="Liberation Sans" pitchFamily="34"/>
+            </a:endParaRPr>
           </a:p>
           <a:p>
             <a:pPr lvl="0" algn="l" rtl="0">
               <a:buNone/>
             </a:pPr>
             <a:r>
-              <a:rPr lang="x-none">
+              <a:rPr lang="x-none" smtClean="0">
                 <a:latin typeface="Liberation Sans" pitchFamily="34"/>
               </a:rPr>
-              <a:t>-Creacion de pagina login.</a:t>
-            </a:r>
+              <a:t>-</a:t>
+            </a:r>
+            <a:r>
+              <a:rPr lang="es-CL" dirty="0" smtClean="0">
+                <a:latin typeface="Liberation Sans" pitchFamily="34"/>
+              </a:rPr>
+              <a:t>Página </a:t>
+            </a:r>
+            <a:r>
+              <a:rPr lang="es-CL" dirty="0" err="1" smtClean="0">
+                <a:latin typeface="Liberation Sans" pitchFamily="34"/>
+              </a:rPr>
+              <a:t>login</a:t>
+            </a:r>
+            <a:r>
+              <a:rPr lang="es-CL" dirty="0" smtClean="0">
+                <a:latin typeface="Liberation Sans" pitchFamily="34"/>
+              </a:rPr>
+              <a:t>/Registro</a:t>
+            </a:r>
+            <a:r>
+              <a:rPr lang="x-none" smtClean="0">
+                <a:latin typeface="Liberation Sans" pitchFamily="34"/>
+              </a:rPr>
+              <a:t>.</a:t>
+            </a:r>
+            <a:endParaRPr lang="x-none">
+              <a:latin typeface="Liberation Sans" pitchFamily="34"/>
+            </a:endParaRPr>
+          </a:p>
+          <a:p>
+            <a:pPr lvl="0" algn="l" rtl="0">
+              <a:buNone/>
+            </a:pPr>
+            <a:r>
+              <a:rPr lang="x-none" smtClean="0">
+                <a:latin typeface="Liberation Sans" pitchFamily="34"/>
+              </a:rPr>
+              <a:t>-</a:t>
+            </a:r>
+            <a:r>
+              <a:rPr lang="es-CL" dirty="0" smtClean="0">
+                <a:latin typeface="Liberation Sans" pitchFamily="34"/>
+              </a:rPr>
+              <a:t>Gráficos</a:t>
+            </a:r>
+            <a:r>
+              <a:rPr lang="x-none" smtClean="0">
+                <a:latin typeface="Liberation Sans" pitchFamily="34"/>
+              </a:rPr>
+              <a:t>.</a:t>
+            </a:r>
+            <a:endParaRPr lang="x-none">
+              <a:latin typeface="Liberation Sans" pitchFamily="34"/>
+            </a:endParaRPr>
           </a:p>
         </p:txBody>
       </p:sp>
@@ -13587,11 +12282,11 @@
   <p:clrMapOvr>
     <a:masterClrMapping/>
   </p:clrMapOvr>
-  <mc:AlternateContent xmlns:mc="http://schemas.openxmlformats.org/markup-compatibility/2006">
-    <mc:Choice xmlns:p14="http://schemas.microsoft.com/office/powerpoint/2010/main" Requires="p14">
+  <mc:AlternateContent xmlns:mc="http://schemas.openxmlformats.org/markup-compatibility/2006" xmlns:p14="http://schemas.microsoft.com/office/powerpoint/2010/main">
+    <mc:Choice Requires="p14">
       <p:transition spd="slow" p14:dur="2000"/>
     </mc:Choice>
-    <mc:Fallback>
+    <mc:Fallback xmlns="">
       <p:transition spd="slow"/>
     </mc:Fallback>
   </mc:AlternateContent>
@@ -13605,9 +12300,9 @@
 </p:sld>
 </file>
 
-<file path=ppt/slides/slide4.xml><?xml version="1.0" encoding="utf-8"?>
+<file path=ppt/slides/slide6.xml><?xml version="1.0" encoding="utf-8"?>
 <p:sld xmlns:a="http://schemas.openxmlformats.org/drawingml/2006/main" xmlns:r="http://schemas.openxmlformats.org/officeDocument/2006/relationships" xmlns:p="http://schemas.openxmlformats.org/presentationml/2006/main">
-  <p:cSld name="page4">
+  <p:cSld name="page8">
     <p:spTree>
       <p:nvGrpSpPr>
         <p:cNvPr id="1" name=""/>
@@ -13693,7 +12388,7 @@
             </a:pPr>
             <a:r>
               <a:rPr lang="x-none"/>
-              <a:t>SprintBackLog.</a:t>
+              <a:t>Alcance de objetivos del sprint	.	</a:t>
             </a:r>
           </a:p>
         </p:txBody>
@@ -13934,33 +12629,40 @@
             </a:lvl9pPr>
           </a:lstStyle>
           <a:p>
-            <a:pPr marL="0" indent="0"/>
+            <a:pPr lvl="0"/>
+            <a:r>
+              <a:rPr lang="x-none"/>
+              <a:t>Se completo aproximadamente el </a:t>
+            </a:r>
+            <a:r>
+              <a:rPr lang="es-CL" dirty="0" smtClean="0"/>
+              <a:t>50</a:t>
+            </a:r>
+            <a:r>
+              <a:rPr lang="x-none" smtClean="0"/>
+              <a:t>% </a:t>
+            </a:r>
+            <a:r>
+              <a:rPr lang="x-none"/>
+              <a:t>de las tareas asignadas.</a:t>
+            </a:r>
+          </a:p>
+          <a:p>
+            <a:pPr lvl="0"/>
             <a:endParaRPr lang="x-none"/>
           </a:p>
         </p:txBody>
       </p:sp>
-      <p:pic>
-        <p:nvPicPr>
-          <p:cNvPr id="4" name=""/>
-          <p:cNvPicPr>
-            <a:picLocks noChangeAspect="1"/>
-          </p:cNvPicPr>
+      <p:sp>
+        <p:nvSpPr>
+          <p:cNvPr id="4" name="3 CuadroTexto"/>
+          <p:cNvSpPr txBox="1"/>
           <p:nvPr/>
-        </p:nvPicPr>
-        <p:blipFill>
-          <a:blip r:embed="rId3">
-            <a:lum/>
-            <a:alphaModFix/>
-          </a:blip>
-          <a:srcRect/>
-          <a:stretch>
-            <a:fillRect/>
-          </a:stretch>
-        </p:blipFill>
+        </p:nvSpPr>
         <p:spPr>
           <a:xfrm>
-            <a:off x="0" y="1872000"/>
-            <a:ext cx="11952000" cy="4860720"/>
+            <a:off x="925919" y="3024000"/>
+            <a:ext cx="10306080" cy="3559680"/>
           </a:xfrm>
           <a:prstGeom prst="rect">
             <a:avLst/>
@@ -13970,313 +12672,456 @@
             <a:noFill/>
           </a:ln>
         </p:spPr>
-      </p:pic>
+        <p:txBody>
+          <a:bodyPr wrap="none" lIns="36000" tIns="36000" rIns="36000" bIns="36000" anchor="ctr" anchorCtr="0" compatLnSpc="0"/>
+          <a:lstStyle/>
+          <a:p>
+            <a:pPr marL="0" marR="0" lvl="0" indent="0" algn="l" rtl="0" hangingPunct="0">
+              <a:lnSpc>
+                <a:spcPct val="100000"/>
+              </a:lnSpc>
+              <a:spcBef>
+                <a:spcPts val="0"/>
+              </a:spcBef>
+              <a:spcAft>
+                <a:spcPts val="0"/>
+              </a:spcAft>
+              <a:buNone/>
+              <a:tabLst/>
+              <a:defRPr lang="x-none" sz="3200" b="0" i="0" u="none" strike="noStrike">
+                <a:ln>
+                  <a:noFill/>
+                </a:ln>
+                <a:latin typeface="Liberation Sans" pitchFamily="34"/>
+                <a:ea typeface="WenQuanYi Micro Hei" pitchFamily="2"/>
+                <a:cs typeface="FreeSans" pitchFamily="2"/>
+              </a:defRPr>
+            </a:pPr>
+            <a:r>
+              <a:rPr lang="x-none" sz="3200" b="0" i="0" u="none" strike="noStrike" kern="1200" smtClean="0">
+                <a:ln>
+                  <a:noFill/>
+                </a:ln>
+                <a:latin typeface="Liberation Sans" pitchFamily="34"/>
+                <a:ea typeface="WenQuanYi Micro Hei" pitchFamily="2"/>
+                <a:cs typeface="FreeSans" pitchFamily="2"/>
+              </a:rPr>
+              <a:t>-</a:t>
+            </a:r>
+            <a:r>
+              <a:rPr lang="es-CL" sz="3000" b="0" i="0" u="none" strike="noStrike" kern="1200" dirty="0" smtClean="0">
+                <a:ln>
+                  <a:noFill/>
+                </a:ln>
+                <a:latin typeface="Liberation Sans"/>
+                <a:ea typeface="WenQuanYi Micro Hei" pitchFamily="2"/>
+                <a:cs typeface="FreeSans" pitchFamily="2"/>
+              </a:rPr>
+              <a:t>Sistema </a:t>
+            </a:r>
+            <a:r>
+              <a:rPr lang="es-CL" sz="3000" b="0" i="0" u="none" strike="noStrike" kern="1200" dirty="0" err="1" smtClean="0">
+                <a:ln>
+                  <a:noFill/>
+                </a:ln>
+                <a:latin typeface="Liberation Sans"/>
+                <a:ea typeface="WenQuanYi Micro Hei" pitchFamily="2"/>
+                <a:cs typeface="FreeSans" pitchFamily="2"/>
+              </a:rPr>
+              <a:t>login</a:t>
+            </a:r>
+            <a:r>
+              <a:rPr lang="es-CL" sz="3000" b="0" i="0" u="none" strike="noStrike" kern="1200" dirty="0" smtClean="0">
+                <a:ln>
+                  <a:noFill/>
+                </a:ln>
+                <a:latin typeface="Liberation Sans"/>
+                <a:ea typeface="WenQuanYi Micro Hei" pitchFamily="2"/>
+                <a:cs typeface="FreeSans" pitchFamily="2"/>
+              </a:rPr>
+              <a:t> y registro</a:t>
+            </a:r>
+            <a:r>
+              <a:rPr lang="x-none" sz="3000" b="0" i="0" u="none" strike="noStrike" kern="1200" smtClean="0">
+                <a:ln>
+                  <a:noFill/>
+                </a:ln>
+                <a:latin typeface="Liberation Sans"/>
+                <a:ea typeface="WenQuanYi Micro Hei" pitchFamily="2"/>
+                <a:cs typeface="FreeSans" pitchFamily="2"/>
+              </a:rPr>
+              <a:t>. </a:t>
+            </a:r>
+            <a:r>
+              <a:rPr lang="x-none" sz="3000" b="0" i="0" u="none" strike="noStrike" kern="1200">
+                <a:ln>
+                  <a:noFill/>
+                </a:ln>
+                <a:latin typeface="Liberation Sans"/>
+                <a:ea typeface="WenQuanYi Micro Hei" pitchFamily="2"/>
+                <a:cs typeface="FreeSans" pitchFamily="2"/>
+              </a:rPr>
+              <a:t>-</a:t>
+            </a:r>
+            <a:r>
+              <a:rPr lang="x-none" sz="3000" b="0" i="0" u="none" strike="noStrike" kern="1200">
+                <a:ln>
+                  <a:noFill/>
+                </a:ln>
+                <a:solidFill>
+                  <a:srgbClr val="009933"/>
+                </a:solidFill>
+                <a:latin typeface="Liberation Sans"/>
+                <a:ea typeface="WenQuanYi Micro Hei" pitchFamily="2"/>
+                <a:cs typeface="FreeSans" pitchFamily="2"/>
+              </a:rPr>
+              <a:t> </a:t>
+            </a:r>
+            <a:r>
+              <a:rPr lang="x-none" sz="3000" b="0" i="0" u="none" strike="noStrike" kern="1200">
+                <a:ln>
+                  <a:noFill/>
+                </a:ln>
+                <a:solidFill>
+                  <a:schemeClr val="accent3"/>
+                </a:solidFill>
+                <a:latin typeface="Liberation Sans"/>
+                <a:ea typeface="WenQuanYi Micro Hei" pitchFamily="2"/>
+                <a:cs typeface="FreeSans" pitchFamily="2"/>
+              </a:rPr>
+              <a:t>completado</a:t>
+            </a:r>
+            <a:r>
+              <a:rPr lang="x-none" sz="3000" b="0" i="0" u="none" strike="noStrike" kern="1200">
+                <a:ln>
+                  <a:noFill/>
+                </a:ln>
+                <a:solidFill>
+                  <a:srgbClr val="009933"/>
+                </a:solidFill>
+                <a:latin typeface="Liberation Sans"/>
+                <a:ea typeface="WenQuanYi Micro Hei" pitchFamily="2"/>
+                <a:cs typeface="FreeSans" pitchFamily="2"/>
+              </a:rPr>
+              <a:t>.</a:t>
+            </a:r>
+          </a:p>
+          <a:p>
+            <a:pPr marL="0" marR="0" lvl="0" indent="0" algn="l" rtl="0" hangingPunct="0">
+              <a:lnSpc>
+                <a:spcPct val="100000"/>
+              </a:lnSpc>
+              <a:spcBef>
+                <a:spcPts val="0"/>
+              </a:spcBef>
+              <a:spcAft>
+                <a:spcPts val="0"/>
+              </a:spcAft>
+              <a:buNone/>
+              <a:tabLst/>
+              <a:defRPr lang="x-none" sz="3200" b="0" i="0" u="none" strike="noStrike">
+                <a:ln>
+                  <a:noFill/>
+                </a:ln>
+                <a:latin typeface="Liberation Sans" pitchFamily="34"/>
+                <a:ea typeface="WenQuanYi Micro Hei" pitchFamily="2"/>
+                <a:cs typeface="FreeSans" pitchFamily="2"/>
+              </a:defRPr>
+            </a:pPr>
+            <a:r>
+              <a:rPr lang="x-none" sz="3000" b="0" i="0" u="none" strike="noStrike" kern="1200" smtClean="0">
+                <a:ln>
+                  <a:noFill/>
+                </a:ln>
+                <a:latin typeface="Liberation Sans"/>
+                <a:ea typeface="WenQuanYi Micro Hei" pitchFamily="2"/>
+                <a:cs typeface="FreeSans" pitchFamily="2"/>
+              </a:rPr>
+              <a:t>-</a:t>
+            </a:r>
+            <a:r>
+              <a:rPr lang="es-CL" sz="3000" dirty="0" smtClean="0">
+                <a:latin typeface="Liberation Sans"/>
+                <a:ea typeface="WenQuanYi Micro Hei" pitchFamily="2"/>
+                <a:cs typeface="FreeSans" pitchFamily="2"/>
+              </a:rPr>
+              <a:t>Añadir gráficos</a:t>
+            </a:r>
+            <a:r>
+              <a:rPr lang="x-none" sz="3000" b="0" i="0" u="none" strike="noStrike" kern="1200" smtClean="0">
+                <a:ln>
+                  <a:noFill/>
+                </a:ln>
+                <a:latin typeface="Liberation Sans"/>
+                <a:ea typeface="WenQuanYi Micro Hei" pitchFamily="2"/>
+                <a:cs typeface="FreeSans" pitchFamily="2"/>
+              </a:rPr>
+              <a:t>. </a:t>
+            </a:r>
+            <a:r>
+              <a:rPr lang="x-none" sz="3000" b="0" i="0" u="none" strike="noStrike" kern="1200">
+                <a:ln>
+                  <a:noFill/>
+                </a:ln>
+                <a:latin typeface="Liberation Sans"/>
+                <a:ea typeface="WenQuanYi Micro Hei" pitchFamily="2"/>
+                <a:cs typeface="FreeSans" pitchFamily="2"/>
+              </a:rPr>
+              <a:t>- </a:t>
+            </a:r>
+            <a:r>
+              <a:rPr lang="x-none" sz="3000" b="0" i="0" u="none" strike="noStrike" kern="1200" smtClean="0">
+                <a:ln>
+                  <a:noFill/>
+                </a:ln>
+                <a:solidFill>
+                  <a:schemeClr val="accent3"/>
+                </a:solidFill>
+                <a:latin typeface="Liberation Sans"/>
+                <a:ea typeface="WenQuanYi Micro Hei" pitchFamily="2"/>
+                <a:cs typeface="FreeSans" pitchFamily="2"/>
+              </a:rPr>
+              <a:t>completado</a:t>
+            </a:r>
+            <a:r>
+              <a:rPr lang="x-none" sz="3000" b="0" i="0" u="none" strike="noStrike" kern="1200" smtClean="0">
+                <a:ln>
+                  <a:noFill/>
+                </a:ln>
+                <a:solidFill>
+                  <a:srgbClr val="FF0000"/>
+                </a:solidFill>
+                <a:latin typeface="Liberation Sans"/>
+                <a:ea typeface="WenQuanYi Micro Hei" pitchFamily="2"/>
+                <a:cs typeface="FreeSans" pitchFamily="2"/>
+              </a:rPr>
+              <a:t>.</a:t>
+            </a:r>
+            <a:endParaRPr lang="es-CL" sz="3000" b="0" i="0" u="none" strike="noStrike" kern="1200" dirty="0" smtClean="0">
+              <a:ln>
+                <a:noFill/>
+              </a:ln>
+              <a:solidFill>
+                <a:srgbClr val="FF0000"/>
+              </a:solidFill>
+              <a:latin typeface="Liberation Sans"/>
+              <a:ea typeface="WenQuanYi Micro Hei" pitchFamily="2"/>
+              <a:cs typeface="FreeSans" pitchFamily="2"/>
+            </a:endParaRPr>
+          </a:p>
+          <a:p>
+            <a:pPr hangingPunct="0">
+              <a:defRPr lang="x-none" sz="3200" b="0" i="0" u="none" strike="noStrike">
+                <a:ln>
+                  <a:noFill/>
+                </a:ln>
+                <a:latin typeface="Liberation Sans" pitchFamily="34"/>
+                <a:ea typeface="WenQuanYi Micro Hei" pitchFamily="2"/>
+                <a:cs typeface="FreeSans" pitchFamily="2"/>
+              </a:defRPr>
+            </a:pPr>
+            <a:r>
+              <a:rPr lang="es-CL" sz="3000" dirty="0" smtClean="0">
+                <a:latin typeface="Liberation Sans"/>
+                <a:ea typeface="Droid Sans" pitchFamily="2"/>
+                <a:cs typeface="Lohit Hindi" pitchFamily="2"/>
+              </a:rPr>
+              <a:t>Listar/Búsqueda </a:t>
+            </a:r>
+            <a:r>
+              <a:rPr lang="es-CL" sz="3000" dirty="0">
+                <a:latin typeface="Liberation Sans"/>
+                <a:ea typeface="Droid Sans" pitchFamily="2"/>
+                <a:cs typeface="Lohit Hindi" pitchFamily="2"/>
+              </a:rPr>
+              <a:t>alimentos</a:t>
+            </a:r>
+            <a:r>
+              <a:rPr lang="x-none" sz="3000">
+                <a:latin typeface="Liberation Sans"/>
+                <a:ea typeface="Droid Sans" pitchFamily="2"/>
+                <a:cs typeface="Lohit Hindi" pitchFamily="2"/>
+              </a:rPr>
+              <a:t>. - </a:t>
+            </a:r>
+            <a:r>
+              <a:rPr lang="x-none" sz="3000">
+                <a:solidFill>
+                  <a:schemeClr val="accent3"/>
+                </a:solidFill>
+                <a:latin typeface="Liberation Sans"/>
+                <a:ea typeface="Droid Sans" pitchFamily="2"/>
+                <a:cs typeface="Lohit Hindi" pitchFamily="2"/>
+              </a:rPr>
+              <a:t>completado</a:t>
+            </a:r>
+            <a:r>
+              <a:rPr lang="x-none" sz="3000">
+                <a:solidFill>
+                  <a:srgbClr val="FF0000"/>
+                </a:solidFill>
+                <a:latin typeface="Liberation Sans"/>
+                <a:ea typeface="Droid Sans" pitchFamily="2"/>
+                <a:cs typeface="Lohit Hindi" pitchFamily="2"/>
+              </a:rPr>
+              <a:t>.</a:t>
+            </a:r>
+            <a:endParaRPr lang="es-CL" sz="3000" dirty="0">
+              <a:solidFill>
+                <a:srgbClr val="FF0000"/>
+              </a:solidFill>
+              <a:latin typeface="Liberation Sans"/>
+              <a:ea typeface="Droid Sans" pitchFamily="2"/>
+              <a:cs typeface="Lohit Hindi" pitchFamily="2"/>
+            </a:endParaRPr>
+          </a:p>
+          <a:p>
+            <a:pPr marL="0" marR="0" lvl="0" indent="0" algn="l" rtl="0" hangingPunct="0">
+              <a:lnSpc>
+                <a:spcPct val="100000"/>
+              </a:lnSpc>
+              <a:spcBef>
+                <a:spcPts val="0"/>
+              </a:spcBef>
+              <a:spcAft>
+                <a:spcPts val="0"/>
+              </a:spcAft>
+              <a:buNone/>
+              <a:tabLst/>
+              <a:defRPr lang="x-none" sz="3200" b="0" i="0" u="none" strike="noStrike">
+                <a:ln>
+                  <a:noFill/>
+                </a:ln>
+                <a:latin typeface="Liberation Sans" pitchFamily="34"/>
+                <a:ea typeface="WenQuanYi Micro Hei" pitchFamily="2"/>
+                <a:cs typeface="FreeSans" pitchFamily="2"/>
+              </a:defRPr>
+            </a:pPr>
+            <a:r>
+              <a:rPr lang="x-none" sz="3000" b="0" i="0" u="none" strike="noStrike" kern="1200" smtClean="0">
+                <a:ln>
+                  <a:noFill/>
+                </a:ln>
+                <a:latin typeface="Liberation Sans"/>
+                <a:ea typeface="WenQuanYi Micro Hei" pitchFamily="2"/>
+                <a:cs typeface="FreeSans" pitchFamily="2"/>
+              </a:rPr>
+              <a:t>-</a:t>
+            </a:r>
+            <a:r>
+              <a:rPr lang="es-CL" sz="3000" b="0" i="0" u="none" strike="noStrike" kern="1200" dirty="0" smtClean="0">
+                <a:ln>
+                  <a:noFill/>
+                </a:ln>
+                <a:latin typeface="Liberation Sans"/>
+                <a:ea typeface="WenQuanYi Micro Hei" pitchFamily="2"/>
+                <a:cs typeface="FreeSans" pitchFamily="2"/>
+              </a:rPr>
+              <a:t>Conectar gráficos</a:t>
+            </a:r>
+            <a:r>
+              <a:rPr lang="x-none" sz="3000" b="0" i="0" u="none" strike="noStrike" kern="1200" smtClean="0">
+                <a:ln>
+                  <a:noFill/>
+                </a:ln>
+                <a:latin typeface="Liberation Sans"/>
+                <a:ea typeface="WenQuanYi Micro Hei" pitchFamily="2"/>
+                <a:cs typeface="FreeSans" pitchFamily="2"/>
+              </a:rPr>
+              <a:t>. </a:t>
+            </a:r>
+            <a:r>
+              <a:rPr lang="x-none" sz="3000" b="0" i="0" u="none" strike="noStrike" kern="1200">
+                <a:ln>
+                  <a:noFill/>
+                </a:ln>
+                <a:latin typeface="Liberation Sans"/>
+                <a:ea typeface="WenQuanYi Micro Hei" pitchFamily="2"/>
+                <a:cs typeface="FreeSans" pitchFamily="2"/>
+              </a:rPr>
+              <a:t>- </a:t>
+            </a:r>
+            <a:r>
+              <a:rPr lang="x-none" sz="3000" b="0" i="0" u="none" strike="noStrike" kern="1200">
+                <a:ln>
+                  <a:noFill/>
+                </a:ln>
+                <a:solidFill>
+                  <a:srgbClr val="FF0000"/>
+                </a:solidFill>
+                <a:latin typeface="Liberation Sans"/>
+                <a:ea typeface="WenQuanYi Micro Hei" pitchFamily="2"/>
+                <a:cs typeface="FreeSans" pitchFamily="2"/>
+              </a:rPr>
+              <a:t>no completado.</a:t>
+            </a:r>
+          </a:p>
+          <a:p>
+            <a:pPr marL="0" marR="0" lvl="0" indent="0" algn="l" hangingPunct="0">
+              <a:lnSpc>
+                <a:spcPct val="100000"/>
+              </a:lnSpc>
+              <a:spcBef>
+                <a:spcPts val="0"/>
+              </a:spcBef>
+              <a:spcAft>
+                <a:spcPts val="0"/>
+              </a:spcAft>
+              <a:buNone/>
+              <a:tabLst/>
+              <a:defRPr lang="x-none"/>
+            </a:pPr>
+            <a:r>
+              <a:rPr lang="x-none" sz="3000" b="0" i="0" u="none" strike="noStrike" kern="1200" smtClean="0">
+                <a:ln>
+                  <a:noFill/>
+                </a:ln>
+                <a:latin typeface="Liberation Sans"/>
+                <a:ea typeface="Droid Sans" pitchFamily="2"/>
+                <a:cs typeface="Lohit Hindi" pitchFamily="2"/>
+              </a:rPr>
+              <a:t>-</a:t>
+            </a:r>
+            <a:r>
+              <a:rPr lang="es-CL" sz="3000" dirty="0" smtClean="0">
+                <a:latin typeface="Liberation Sans"/>
+                <a:ea typeface="Droid Sans" pitchFamily="2"/>
+                <a:cs typeface="Lohit Hindi" pitchFamily="2"/>
+              </a:rPr>
+              <a:t>Seleccionar alimentos</a:t>
+            </a:r>
+            <a:r>
+              <a:rPr lang="es-CL" sz="3000" dirty="0" smtClean="0">
+                <a:solidFill>
+                  <a:srgbClr val="FF0000"/>
+                </a:solidFill>
+                <a:latin typeface="Liberation Sans"/>
+                <a:ea typeface="Droid Sans" pitchFamily="2"/>
+                <a:cs typeface="Lohit Hindi" pitchFamily="2"/>
+              </a:rPr>
+              <a:t>.- no completado</a:t>
+            </a:r>
+            <a:endParaRPr lang="x-none" sz="3000" b="0" i="0" u="none" strike="noStrike" kern="1200">
+              <a:ln>
+                <a:noFill/>
+              </a:ln>
+              <a:latin typeface="Liberation Sans"/>
+              <a:ea typeface="Droid Sans" pitchFamily="2"/>
+              <a:cs typeface="Lohit Hindi" pitchFamily="2"/>
+            </a:endParaRPr>
+          </a:p>
+        </p:txBody>
+      </p:sp>
     </p:spTree>
   </p:cSld>
   <p:clrMapOvr>
     <a:masterClrMapping/>
   </p:clrMapOvr>
-  <mc:AlternateContent xmlns:mc="http://schemas.openxmlformats.org/markup-compatibility/2006">
-    <mc:Choice xmlns:p14="http://schemas.microsoft.com/office/powerpoint/2010/main" Requires="p14">
+  <mc:AlternateContent xmlns:mc="http://schemas.openxmlformats.org/markup-compatibility/2006" xmlns:p14="http://schemas.microsoft.com/office/powerpoint/2010/main">
+    <mc:Choice Requires="p14">
       <p:transition spd="slow" p14:dur="2000"/>
     </mc:Choice>
-    <mc:Fallback>
-      <p:transition spd="slow"/>
-    </mc:Fallback>
-  </mc:AlternateContent>
-  <p:timing>
-    <p:tnLst>
-      <p:par>
-        <p:cTn id="1" dur="indefinite" restart="never" nodeType="tmRoot"/>
-      </p:par>
-    </p:tnLst>
-  </p:timing>
-</p:sld>
-</file>
-
-<file path=ppt/slides/slide5.xml><?xml version="1.0" encoding="utf-8"?>
-<p:sld xmlns:a="http://schemas.openxmlformats.org/drawingml/2006/main" xmlns:r="http://schemas.openxmlformats.org/officeDocument/2006/relationships" xmlns:p="http://schemas.openxmlformats.org/presentationml/2006/main">
-  <p:cSld name="page5">
-    <p:spTree>
-      <p:nvGrpSpPr>
-        <p:cNvPr id="1" name=""/>
-        <p:cNvGrpSpPr/>
-        <p:nvPr/>
-      </p:nvGrpSpPr>
-      <p:grpSpPr>
-        <a:xfrm>
-          <a:off x="0" y="0"/>
-          <a:ext cx="0" cy="0"/>
-          <a:chOff x="0" y="0"/>
-          <a:chExt cx="0" cy="0"/>
-        </a:xfrm>
-      </p:grpSpPr>
-      <p:sp>
-        <p:nvSpPr>
-          <p:cNvPr id="2" name="1 Título"/>
-          <p:cNvSpPr txBox="1">
-            <a:spLocks noGrp="1"/>
-          </p:cNvSpPr>
-          <p:nvPr>
-            <p:ph type="title" idx="4294967295"/>
-          </p:nvPr>
-        </p:nvSpPr>
-        <p:spPr/>
-        <p:txBody>
-          <a:bodyPr/>
-          <a:lstStyle>
-            <a:defPPr lvl="0">
-              <a:buSzPct val="45000"/>
-              <a:buFont typeface="StarSymbol"/>
-              <a:buNone/>
-            </a:defPPr>
-            <a:lvl1pPr lvl="0">
-              <a:buSzPct val="45000"/>
-              <a:buFont typeface="StarSymbol"/>
-              <a:buChar char="●"/>
-            </a:lvl1pPr>
-            <a:lvl2pPr lvl="1">
-              <a:buSzPct val="45000"/>
-              <a:buFont typeface="StarSymbol"/>
-              <a:buChar char="●"/>
-            </a:lvl2pPr>
-            <a:lvl3pPr lvl="2">
-              <a:buSzPct val="45000"/>
-              <a:buFont typeface="StarSymbol"/>
-              <a:buChar char="●"/>
-            </a:lvl3pPr>
-            <a:lvl4pPr lvl="3">
-              <a:buSzPct val="45000"/>
-              <a:buFont typeface="StarSymbol"/>
-              <a:buChar char="●"/>
-            </a:lvl4pPr>
-            <a:lvl5pPr lvl="4">
-              <a:buSzPct val="45000"/>
-              <a:buFont typeface="StarSymbol"/>
-              <a:buChar char="●"/>
-            </a:lvl5pPr>
-            <a:lvl6pPr lvl="5">
-              <a:buSzPct val="45000"/>
-              <a:buFont typeface="StarSymbol"/>
-              <a:buChar char="●"/>
-            </a:lvl6pPr>
-            <a:lvl7pPr lvl="6">
-              <a:buSzPct val="45000"/>
-              <a:buFont typeface="StarSymbol"/>
-              <a:buChar char="●"/>
-            </a:lvl7pPr>
-            <a:lvl8pPr lvl="7">
-              <a:buSzPct val="45000"/>
-              <a:buFont typeface="StarSymbol"/>
-              <a:buChar char="●"/>
-            </a:lvl8pPr>
-            <a:lvl9pPr lvl="8">
-              <a:buSzPct val="45000"/>
-              <a:buFont typeface="StarSymbol"/>
-              <a:buChar char="●"/>
-            </a:lvl9pPr>
-          </a:lstStyle>
-          <a:p>
-            <a:pPr lvl="0">
-              <a:buNone/>
-            </a:pPr>
-            <a:r>
-              <a:rPr lang="x-none"/>
-              <a:t>SprintBackLog.</a:t>
-            </a:r>
-          </a:p>
-        </p:txBody>
-      </p:sp>
-      <p:pic>
-        <p:nvPicPr>
-          <p:cNvPr id="4" name=""/>
-          <p:cNvPicPr>
-            <a:picLocks noChangeAspect="1"/>
-          </p:cNvPicPr>
-          <p:nvPr/>
-        </p:nvPicPr>
-        <p:blipFill>
-          <a:blip r:embed="rId3">
-            <a:lum/>
-            <a:alphaModFix/>
-          </a:blip>
-          <a:srcRect/>
-          <a:stretch>
-            <a:fillRect/>
-          </a:stretch>
-        </p:blipFill>
-        <p:spPr>
-          <a:xfrm>
-            <a:off x="-1910" y="1931570"/>
-            <a:ext cx="11884680" cy="4031999"/>
-          </a:xfrm>
-          <a:prstGeom prst="rect">
-            <a:avLst/>
-          </a:prstGeom>
-          <a:noFill/>
-          <a:ln>
-            <a:noFill/>
-          </a:ln>
-        </p:spPr>
-      </p:pic>
-    </p:spTree>
-  </p:cSld>
-  <p:clrMapOvr>
-    <a:masterClrMapping/>
-  </p:clrMapOvr>
-  <mc:AlternateContent xmlns:mc="http://schemas.openxmlformats.org/markup-compatibility/2006">
-    <mc:Choice xmlns:p14="http://schemas.microsoft.com/office/powerpoint/2010/main" Requires="p14">
-      <p:transition spd="slow" p14:dur="2000"/>
-    </mc:Choice>
-    <mc:Fallback>
-      <p:transition spd="slow"/>
-    </mc:Fallback>
-  </mc:AlternateContent>
-  <p:timing>
-    <p:tnLst>
-      <p:par>
-        <p:cTn id="1" dur="indefinite" restart="never" nodeType="tmRoot"/>
-      </p:par>
-    </p:tnLst>
-  </p:timing>
-</p:sld>
-</file>
-
-<file path=ppt/slides/slide6.xml><?xml version="1.0" encoding="utf-8"?>
-<p:sld xmlns:a="http://schemas.openxmlformats.org/drawingml/2006/main" xmlns:r="http://schemas.openxmlformats.org/officeDocument/2006/relationships" xmlns:p="http://schemas.openxmlformats.org/presentationml/2006/main">
-  <p:cSld name="page6">
-    <p:spTree>
-      <p:nvGrpSpPr>
-        <p:cNvPr id="1" name=""/>
-        <p:cNvGrpSpPr/>
-        <p:nvPr/>
-      </p:nvGrpSpPr>
-      <p:grpSpPr>
-        <a:xfrm>
-          <a:off x="0" y="0"/>
-          <a:ext cx="0" cy="0"/>
-          <a:chOff x="0" y="0"/>
-          <a:chExt cx="0" cy="0"/>
-        </a:xfrm>
-      </p:grpSpPr>
-      <p:sp>
-        <p:nvSpPr>
-          <p:cNvPr id="2" name="1 Título"/>
-          <p:cNvSpPr txBox="1">
-            <a:spLocks noGrp="1"/>
-          </p:cNvSpPr>
-          <p:nvPr>
-            <p:ph type="title" idx="4294967295"/>
-          </p:nvPr>
-        </p:nvSpPr>
-        <p:spPr/>
-        <p:txBody>
-          <a:bodyPr/>
-          <a:lstStyle>
-            <a:defPPr lvl="0">
-              <a:buSzPct val="45000"/>
-              <a:buFont typeface="StarSymbol"/>
-              <a:buNone/>
-            </a:defPPr>
-            <a:lvl1pPr lvl="0">
-              <a:buSzPct val="45000"/>
-              <a:buFont typeface="StarSymbol"/>
-              <a:buChar char="●"/>
-            </a:lvl1pPr>
-            <a:lvl2pPr lvl="1">
-              <a:buSzPct val="45000"/>
-              <a:buFont typeface="StarSymbol"/>
-              <a:buChar char="●"/>
-            </a:lvl2pPr>
-            <a:lvl3pPr lvl="2">
-              <a:buSzPct val="45000"/>
-              <a:buFont typeface="StarSymbol"/>
-              <a:buChar char="●"/>
-            </a:lvl3pPr>
-            <a:lvl4pPr lvl="3">
-              <a:buSzPct val="45000"/>
-              <a:buFont typeface="StarSymbol"/>
-              <a:buChar char="●"/>
-            </a:lvl4pPr>
-            <a:lvl5pPr lvl="4">
-              <a:buSzPct val="45000"/>
-              <a:buFont typeface="StarSymbol"/>
-              <a:buChar char="●"/>
-            </a:lvl5pPr>
-            <a:lvl6pPr lvl="5">
-              <a:buSzPct val="45000"/>
-              <a:buFont typeface="StarSymbol"/>
-              <a:buChar char="●"/>
-            </a:lvl6pPr>
-            <a:lvl7pPr lvl="6">
-              <a:buSzPct val="45000"/>
-              <a:buFont typeface="StarSymbol"/>
-              <a:buChar char="●"/>
-            </a:lvl7pPr>
-            <a:lvl8pPr lvl="7">
-              <a:buSzPct val="45000"/>
-              <a:buFont typeface="StarSymbol"/>
-              <a:buChar char="●"/>
-            </a:lvl8pPr>
-            <a:lvl9pPr lvl="8">
-              <a:buSzPct val="45000"/>
-              <a:buFont typeface="StarSymbol"/>
-              <a:buChar char="●"/>
-            </a:lvl9pPr>
-          </a:lstStyle>
-          <a:p>
-            <a:pPr lvl="0">
-              <a:buNone/>
-            </a:pPr>
-            <a:r>
-              <a:rPr lang="x-none"/>
-              <a:t>Progreso.</a:t>
-            </a:r>
-          </a:p>
-        </p:txBody>
-      </p:sp>
-      <p:pic>
-        <p:nvPicPr>
-          <p:cNvPr id="3" name=""/>
-          <p:cNvPicPr>
-            <a:picLocks noChangeAspect="1"/>
-          </p:cNvPicPr>
-          <p:nvPr/>
-        </p:nvPicPr>
-        <p:blipFill>
-          <a:blip r:embed="rId3">
-            <a:lum/>
-            <a:alphaModFix/>
-          </a:blip>
-          <a:srcRect/>
-          <a:stretch>
-            <a:fillRect/>
-          </a:stretch>
-        </p:blipFill>
-        <p:spPr>
-          <a:xfrm>
-            <a:off x="2086920" y="2145240"/>
-            <a:ext cx="6625079" cy="4406759"/>
-          </a:xfrm>
-          <a:prstGeom prst="rect">
-            <a:avLst/>
-          </a:prstGeom>
-          <a:noFill/>
-          <a:ln>
-            <a:noFill/>
-          </a:ln>
-        </p:spPr>
-      </p:pic>
-    </p:spTree>
-  </p:cSld>
-  <p:clrMapOvr>
-    <a:masterClrMapping/>
-  </p:clrMapOvr>
-  <mc:AlternateContent xmlns:mc="http://schemas.openxmlformats.org/markup-compatibility/2006">
-    <mc:Choice xmlns:p14="http://schemas.microsoft.com/office/powerpoint/2010/main" Requires="p14">
-      <p:transition spd="slow" p14:dur="2000"/>
-    </mc:Choice>
-    <mc:Fallback>
+    <mc:Fallback xmlns="">
       <p:transition spd="slow"/>
     </mc:Fallback>
   </mc:AlternateContent>
@@ -14292,7 +13137,7 @@
 
 <file path=ppt/slides/slide7.xml><?xml version="1.0" encoding="utf-8"?>
 <p:sld xmlns:a="http://schemas.openxmlformats.org/drawingml/2006/main" xmlns:r="http://schemas.openxmlformats.org/officeDocument/2006/relationships" xmlns:p="http://schemas.openxmlformats.org/presentationml/2006/main">
-  <p:cSld>
+  <p:cSld name="page9">
     <p:spTree>
       <p:nvGrpSpPr>
         <p:cNvPr id="1" name=""/>
@@ -14309,351 +13154,441 @@
       </p:grpSpPr>
       <p:sp>
         <p:nvSpPr>
-          <p:cNvPr id="3" name="2 CuadroTexto"/>
-          <p:cNvSpPr txBox="1"/>
-          <p:nvPr/>
-        </p:nvSpPr>
-        <p:spPr>
-          <a:xfrm>
-            <a:off x="454546" y="482837"/>
-            <a:ext cx="4968552" cy="1015663"/>
-          </a:xfrm>
-          <a:prstGeom prst="rect">
-            <a:avLst/>
-          </a:prstGeom>
-          <a:noFill/>
-        </p:spPr>
-        <p:txBody>
-          <a:bodyPr wrap="square" rtlCol="0">
-            <a:spAutoFit/>
-          </a:bodyPr>
-          <a:lstStyle/>
-          <a:p>
-            <a:r>
-              <a:rPr lang="es-CL" sz="6000" dirty="0" smtClean="0">
-                <a:solidFill>
-                  <a:schemeClr val="bg1"/>
-                </a:solidFill>
-                <a:latin typeface="Source Sans Pro Light"/>
+          <p:cNvPr id="2" name="1 Título"/>
+          <p:cNvSpPr txBox="1">
+            <a:spLocks noGrp="1"/>
+          </p:cNvSpPr>
+          <p:nvPr>
+            <p:ph type="title" idx="4294967295"/>
+          </p:nvPr>
+        </p:nvSpPr>
+        <p:spPr/>
+        <p:txBody>
+          <a:bodyPr/>
+          <a:lstStyle>
+            <a:defPPr lvl="0">
+              <a:buSzPct val="45000"/>
+              <a:buFont typeface="StarSymbol"/>
+              <a:buNone/>
+            </a:defPPr>
+            <a:lvl1pPr lvl="0">
+              <a:buSzPct val="45000"/>
+              <a:buFont typeface="StarSymbol"/>
+              <a:buChar char="●"/>
+            </a:lvl1pPr>
+            <a:lvl2pPr lvl="1">
+              <a:buSzPct val="45000"/>
+              <a:buFont typeface="StarSymbol"/>
+              <a:buChar char="●"/>
+            </a:lvl2pPr>
+            <a:lvl3pPr lvl="2">
+              <a:buSzPct val="45000"/>
+              <a:buFont typeface="StarSymbol"/>
+              <a:buChar char="●"/>
+            </a:lvl3pPr>
+            <a:lvl4pPr lvl="3">
+              <a:buSzPct val="45000"/>
+              <a:buFont typeface="StarSymbol"/>
+              <a:buChar char="●"/>
+            </a:lvl4pPr>
+            <a:lvl5pPr lvl="4">
+              <a:buSzPct val="45000"/>
+              <a:buFont typeface="StarSymbol"/>
+              <a:buChar char="●"/>
+            </a:lvl5pPr>
+            <a:lvl6pPr lvl="5">
+              <a:buSzPct val="45000"/>
+              <a:buFont typeface="StarSymbol"/>
+              <a:buChar char="●"/>
+            </a:lvl6pPr>
+            <a:lvl7pPr lvl="6">
+              <a:buSzPct val="45000"/>
+              <a:buFont typeface="StarSymbol"/>
+              <a:buChar char="●"/>
+            </a:lvl7pPr>
+            <a:lvl8pPr lvl="7">
+              <a:buSzPct val="45000"/>
+              <a:buFont typeface="StarSymbol"/>
+              <a:buChar char="●"/>
+            </a:lvl8pPr>
+            <a:lvl9pPr lvl="8">
+              <a:buSzPct val="45000"/>
+              <a:buFont typeface="StarSymbol"/>
+              <a:buChar char="●"/>
+            </a:lvl9pPr>
+          </a:lstStyle>
+          <a:p>
+            <a:pPr lvl="0">
+              <a:buNone/>
+            </a:pPr>
+            <a:r>
+              <a:rPr lang="x-none"/>
+              <a:t>Objetivos proximo sprint.	</a:t>
+            </a:r>
+          </a:p>
+        </p:txBody>
+      </p:sp>
+      <p:sp>
+        <p:nvSpPr>
+          <p:cNvPr id="3" name="2 Marcador de texto"/>
+          <p:cNvSpPr txBox="1">
+            <a:spLocks noGrp="1"/>
+          </p:cNvSpPr>
+          <p:nvPr>
+            <p:ph type="body" idx="4294967295"/>
+          </p:nvPr>
+        </p:nvSpPr>
+        <p:spPr/>
+        <p:txBody>
+          <a:bodyPr/>
+          <a:lstStyle>
+            <a:defPPr marL="432000" marR="0" lvl="0" indent="-324000">
+              <a:spcBef>
+                <a:spcPts val="0"/>
+              </a:spcBef>
+              <a:spcAft>
+                <a:spcPts val="1409"/>
+              </a:spcAft>
+              <a:buClr>
+                <a:srgbClr val="04617B"/>
+              </a:buClr>
+              <a:buSzPct val="45000"/>
+              <a:buFont typeface="StarSymbol"/>
+              <a:buNone/>
+              <a:defRPr lang="x-none" sz="3200" b="0" i="0" u="none" strike="noStrike" kern="1200">
+                <a:ln>
+                  <a:noFill/>
+                </a:ln>
+                <a:latin typeface="Source Sans Pro" pitchFamily="2"/>
+                <a:ea typeface="Droid Sans" pitchFamily="2"/>
+                <a:cs typeface="Lohit Hindi" pitchFamily="2"/>
+              </a:defRPr>
+            </a:defPPr>
+            <a:lvl1pPr marL="432000" marR="0" lvl="0" indent="-324000">
+              <a:spcBef>
+                <a:spcPts val="0"/>
+              </a:spcBef>
+              <a:spcAft>
+                <a:spcPts val="1409"/>
+              </a:spcAft>
+              <a:buClr>
+                <a:srgbClr val="04617B"/>
+              </a:buClr>
+              <a:buSzPct val="45000"/>
+              <a:buFont typeface="StarSymbol"/>
+              <a:buChar char="●"/>
+              <a:defRPr lang="x-none" sz="3200" b="0" i="0" u="none" strike="noStrike" kern="1200">
+                <a:ln>
+                  <a:noFill/>
+                </a:ln>
+                <a:latin typeface="Source Sans Pro" pitchFamily="2"/>
+                <a:ea typeface="Droid Sans" pitchFamily="2"/>
+                <a:cs typeface="Lohit Hindi" pitchFamily="2"/>
+              </a:defRPr>
+            </a:lvl1pPr>
+            <a:lvl2pPr marL="864000" marR="0" lvl="1" indent="-324000">
+              <a:spcBef>
+                <a:spcPts val="0"/>
+              </a:spcBef>
+              <a:spcAft>
+                <a:spcPts val="1123"/>
+              </a:spcAft>
+              <a:buClr>
+                <a:srgbClr val="04617B"/>
+              </a:buClr>
+              <a:buSzPct val="75000"/>
+              <a:buFont typeface="StarSymbol"/>
+              <a:buChar char="–"/>
+              <a:defRPr lang="x-none" sz="2800" b="0" i="0" u="none" strike="noStrike" kern="1200">
+                <a:ln>
+                  <a:noFill/>
+                </a:ln>
+                <a:latin typeface="Source Sans Pro" pitchFamily="2"/>
+                <a:ea typeface="Droid Sans" pitchFamily="2"/>
+                <a:cs typeface="Lohit Hindi" pitchFamily="2"/>
+              </a:defRPr>
+            </a:lvl2pPr>
+            <a:lvl3pPr marL="1295999" marR="0" lvl="2" indent="-288000">
+              <a:spcBef>
+                <a:spcPts val="0"/>
+              </a:spcBef>
+              <a:spcAft>
+                <a:spcPts val="850"/>
+              </a:spcAft>
+              <a:buClr>
+                <a:srgbClr val="04617B"/>
+              </a:buClr>
+              <a:buSzPct val="45000"/>
+              <a:buFont typeface="StarSymbol"/>
+              <a:buChar char="●"/>
+              <a:defRPr lang="x-none" sz="2400" b="0" i="0" u="none" strike="noStrike" kern="1200">
+                <a:ln>
+                  <a:noFill/>
+                </a:ln>
+                <a:latin typeface="Source Sans Pro" pitchFamily="2"/>
+                <a:ea typeface="Droid Sans" pitchFamily="2"/>
+                <a:cs typeface="Lohit Hindi" pitchFamily="2"/>
+              </a:defRPr>
+            </a:lvl3pPr>
+            <a:lvl4pPr marL="1728000" marR="0" lvl="3" indent="-216000">
+              <a:spcBef>
+                <a:spcPts val="0"/>
+              </a:spcBef>
+              <a:spcAft>
+                <a:spcPts val="567"/>
+              </a:spcAft>
+              <a:buClr>
+                <a:srgbClr val="04617B"/>
+              </a:buClr>
+              <a:buSzPct val="75000"/>
+              <a:buFont typeface="StarSymbol"/>
+              <a:buChar char="–"/>
+              <a:defRPr lang="x-none" sz="2400" b="0" i="0" u="none" strike="noStrike" kern="1200">
+                <a:ln>
+                  <a:noFill/>
+                </a:ln>
+                <a:latin typeface="Source Sans Pro" pitchFamily="2"/>
+                <a:ea typeface="Droid Sans" pitchFamily="2"/>
+                <a:cs typeface="Lohit Hindi" pitchFamily="2"/>
+              </a:defRPr>
+            </a:lvl4pPr>
+            <a:lvl5pPr marL="2160000" marR="0" lvl="4" indent="-216000">
+              <a:spcBef>
+                <a:spcPts val="0"/>
+              </a:spcBef>
+              <a:spcAft>
+                <a:spcPts val="283"/>
+              </a:spcAft>
+              <a:buClr>
+                <a:srgbClr val="04617B"/>
+              </a:buClr>
+              <a:buSzPct val="45000"/>
+              <a:buFont typeface="StarSymbol"/>
+              <a:buChar char="●"/>
+              <a:defRPr lang="x-none" sz="2400" b="0" i="0" u="none" strike="noStrike" kern="1200">
+                <a:ln>
+                  <a:noFill/>
+                </a:ln>
+                <a:latin typeface="Source Sans Pro" pitchFamily="2"/>
+                <a:ea typeface="Droid Sans" pitchFamily="2"/>
+                <a:cs typeface="Lohit Hindi" pitchFamily="2"/>
+              </a:defRPr>
+            </a:lvl5pPr>
+            <a:lvl6pPr marL="2592000" marR="0" lvl="5" indent="-216000">
+              <a:spcBef>
+                <a:spcPts val="0"/>
+              </a:spcBef>
+              <a:spcAft>
+                <a:spcPts val="283"/>
+              </a:spcAft>
+              <a:buClr>
+                <a:srgbClr val="04617B"/>
+              </a:buClr>
+              <a:buSzPct val="45000"/>
+              <a:buFont typeface="StarSymbol"/>
+              <a:buChar char="●"/>
+              <a:defRPr lang="x-none" sz="2400" b="0" i="0" u="none" strike="noStrike" kern="1200">
+                <a:ln>
+                  <a:noFill/>
+                </a:ln>
+                <a:latin typeface="Source Sans Pro" pitchFamily="2"/>
+                <a:ea typeface="Droid Sans" pitchFamily="2"/>
+                <a:cs typeface="Lohit Hindi" pitchFamily="2"/>
+              </a:defRPr>
+            </a:lvl6pPr>
+            <a:lvl7pPr marL="3024000" marR="0" lvl="6" indent="-216000">
+              <a:spcBef>
+                <a:spcPts val="0"/>
+              </a:spcBef>
+              <a:spcAft>
+                <a:spcPts val="283"/>
+              </a:spcAft>
+              <a:buClr>
+                <a:srgbClr val="04617B"/>
+              </a:buClr>
+              <a:buSzPct val="45000"/>
+              <a:buFont typeface="StarSymbol"/>
+              <a:buChar char="●"/>
+              <a:defRPr lang="x-none" sz="2400" b="0" i="0" u="none" strike="noStrike" kern="1200">
+                <a:ln>
+                  <a:noFill/>
+                </a:ln>
+                <a:latin typeface="Source Sans Pro" pitchFamily="2"/>
+                <a:ea typeface="Droid Sans" pitchFamily="2"/>
+                <a:cs typeface="Lohit Hindi" pitchFamily="2"/>
+              </a:defRPr>
+            </a:lvl7pPr>
+            <a:lvl8pPr marL="3456000" marR="0" lvl="7" indent="-216000">
+              <a:spcBef>
+                <a:spcPts val="0"/>
+              </a:spcBef>
+              <a:spcAft>
+                <a:spcPts val="283"/>
+              </a:spcAft>
+              <a:buClr>
+                <a:srgbClr val="04617B"/>
+              </a:buClr>
+              <a:buSzPct val="45000"/>
+              <a:buFont typeface="StarSymbol"/>
+              <a:buChar char="●"/>
+              <a:defRPr lang="x-none" sz="2200" b="0" i="0" u="none" strike="noStrike" kern="1200">
+                <a:ln>
+                  <a:noFill/>
+                </a:ln>
+                <a:latin typeface="Source Sans Pro" pitchFamily="2"/>
+                <a:ea typeface="Droid Sans" pitchFamily="2"/>
+                <a:cs typeface="Lohit Hindi" pitchFamily="2"/>
+              </a:defRPr>
+            </a:lvl8pPr>
+            <a:lvl9pPr marL="3887999" marR="0" lvl="8" indent="-216000">
+              <a:spcBef>
+                <a:spcPts val="0"/>
+              </a:spcBef>
+              <a:spcAft>
+                <a:spcPts val="283"/>
+              </a:spcAft>
+              <a:buClr>
+                <a:srgbClr val="04617B"/>
+              </a:buClr>
+              <a:buSzPct val="45000"/>
+              <a:buFont typeface="StarSymbol"/>
+              <a:buChar char="●"/>
+              <a:defRPr lang="x-none" sz="2200" b="0" i="0" u="none" strike="noStrike" kern="1200">
+                <a:ln>
+                  <a:noFill/>
+                </a:ln>
+                <a:latin typeface="Source Sans Pro" pitchFamily="2"/>
+                <a:ea typeface="Droid Sans" pitchFamily="2"/>
+                <a:cs typeface="Lohit Hindi" pitchFamily="2"/>
+              </a:defRPr>
+            </a:lvl9pPr>
+          </a:lstStyle>
+          <a:p>
+            <a:pPr lvl="0" algn="l" rtl="0">
+              <a:buNone/>
+            </a:pPr>
+            <a:r>
+              <a:rPr lang="x-none" smtClean="0">
+                <a:latin typeface="Liberation Sans" pitchFamily="34"/>
               </a:rPr>
-              <a:t>Progreso.</a:t>
-            </a:r>
-            <a:endParaRPr lang="es-CL" sz="6000" dirty="0">
-              <a:solidFill>
-                <a:schemeClr val="bg1"/>
-              </a:solidFill>
-              <a:latin typeface="Source Sans Pro Light"/>
+              <a:t>-</a:t>
+            </a:r>
+            <a:r>
+              <a:rPr lang="es-CL" dirty="0" smtClean="0">
+                <a:latin typeface="Liberation Sans" pitchFamily="34"/>
+              </a:rPr>
+              <a:t>Conectar gráficos con base de datos</a:t>
+            </a:r>
+            <a:r>
+              <a:rPr lang="x-none" smtClean="0">
+                <a:latin typeface="Liberation Sans" pitchFamily="34"/>
+              </a:rPr>
+              <a:t>.</a:t>
+            </a:r>
+            <a:endParaRPr lang="x-none">
+              <a:latin typeface="Liberation Sans" pitchFamily="34"/>
             </a:endParaRPr>
           </a:p>
-        </p:txBody>
-      </p:sp>
-      <p:pic>
-        <p:nvPicPr>
-          <p:cNvPr id="1026" name="Picture 2" descr="C:\Users\SAMUEL\Desktop\SUP5prJKSR2OBCn68kJbdA.png"/>
-          <p:cNvPicPr>
-            <a:picLocks noChangeAspect="1" noChangeArrowheads="1"/>
-          </p:cNvPicPr>
-          <p:nvPr/>
-        </p:nvPicPr>
-        <p:blipFill>
-          <a:blip r:embed="rId2">
-            <a:extLst>
-              <a:ext uri="{28A0092B-C50C-407E-A947-70E740481C1C}">
-                <a14:useLocalDpi xmlns:a14="http://schemas.microsoft.com/office/drawing/2010/main" val="0"/>
-              </a:ext>
-            </a:extLst>
-          </a:blip>
-          <a:srcRect/>
-          <a:stretch>
-            <a:fillRect/>
-          </a:stretch>
-        </p:blipFill>
-        <p:spPr bwMode="auto">
-          <a:xfrm>
-            <a:off x="814586" y="1835621"/>
-            <a:ext cx="9991238" cy="5295343"/>
-          </a:xfrm>
-          <a:prstGeom prst="rect">
-            <a:avLst/>
-          </a:prstGeom>
-          <a:noFill/>
-          <a:extLst>
-            <a:ext uri="{909E8E84-426E-40DD-AFC4-6F175D3DCCD1}">
-              <a14:hiddenFill xmlns:a14="http://schemas.microsoft.com/office/drawing/2010/main">
-                <a:solidFill>
-                  <a:srgbClr val="FFFFFF"/>
-                </a:solidFill>
-              </a14:hiddenFill>
-            </a:ext>
-          </a:extLst>
-        </p:spPr>
-      </p:pic>
+          <a:p>
+            <a:pPr lvl="0" algn="l" rtl="0">
+              <a:buNone/>
+            </a:pPr>
+            <a:r>
+              <a:rPr lang="x-none" smtClean="0">
+                <a:latin typeface="Liberation Sans" pitchFamily="34"/>
+              </a:rPr>
+              <a:t>-</a:t>
+            </a:r>
+            <a:r>
+              <a:rPr lang="es-CL" dirty="0" smtClean="0">
+                <a:latin typeface="Liberation Sans" pitchFamily="34"/>
+              </a:rPr>
+              <a:t>Mejorar diseño</a:t>
+            </a:r>
+            <a:r>
+              <a:rPr lang="x-none" smtClean="0">
+                <a:latin typeface="Liberation Sans" pitchFamily="34"/>
+              </a:rPr>
+              <a:t>.</a:t>
+            </a:r>
+            <a:endParaRPr lang="x-none">
+              <a:latin typeface="Liberation Sans" pitchFamily="34"/>
+            </a:endParaRPr>
+          </a:p>
+          <a:p>
+            <a:pPr lvl="0" algn="l" rtl="0">
+              <a:buNone/>
+            </a:pPr>
+            <a:r>
+              <a:rPr lang="x-none" smtClean="0">
+                <a:latin typeface="Liberation Sans" pitchFamily="34"/>
+              </a:rPr>
+              <a:t>-</a:t>
+            </a:r>
+            <a:r>
+              <a:rPr lang="es-CL" dirty="0" smtClean="0">
+                <a:latin typeface="Liberation Sans" pitchFamily="34"/>
+              </a:rPr>
+              <a:t>Implementar sistema de porciones</a:t>
+            </a:r>
+            <a:r>
+              <a:rPr lang="x-none" smtClean="0">
+                <a:latin typeface="Liberation Sans" pitchFamily="34"/>
+              </a:rPr>
+              <a:t>.</a:t>
+            </a:r>
+            <a:endParaRPr lang="x-none">
+              <a:latin typeface="Liberation Sans" pitchFamily="34"/>
+            </a:endParaRPr>
+          </a:p>
+          <a:p>
+            <a:pPr lvl="0" algn="l" rtl="0">
+              <a:buNone/>
+            </a:pPr>
+            <a:r>
+              <a:rPr lang="x-none" smtClean="0">
+                <a:latin typeface="Liberation Sans" pitchFamily="34"/>
+              </a:rPr>
+              <a:t>-</a:t>
+            </a:r>
+            <a:r>
+              <a:rPr lang="es-CL" dirty="0" smtClean="0">
+                <a:latin typeface="Liberation Sans" pitchFamily="34"/>
+              </a:rPr>
+              <a:t>Seleccionar y guardar datos alimentarios</a:t>
+            </a:r>
+            <a:r>
+              <a:rPr lang="x-none" smtClean="0">
+                <a:latin typeface="Liberation Sans" pitchFamily="34"/>
+              </a:rPr>
+              <a:t>.</a:t>
+            </a:r>
+            <a:endParaRPr lang="x-none">
+              <a:latin typeface="Liberation Sans" pitchFamily="34"/>
+            </a:endParaRPr>
+          </a:p>
+        </p:txBody>
+      </p:sp>
     </p:spTree>
-    <p:extLst>
-      <p:ext uri="{BB962C8B-B14F-4D97-AF65-F5344CB8AC3E}">
-        <p14:creationId xmlns:p14="http://schemas.microsoft.com/office/powerpoint/2010/main" val="2490713766"/>
-      </p:ext>
-    </p:extLst>
   </p:cSld>
   <p:clrMapOvr>
     <a:masterClrMapping/>
   </p:clrMapOvr>
-  <mc:AlternateContent xmlns:mc="http://schemas.openxmlformats.org/markup-compatibility/2006">
-    <mc:Choice xmlns:p14="http://schemas.microsoft.com/office/powerpoint/2010/main" Requires="p14">
+  <mc:AlternateContent xmlns:mc="http://schemas.openxmlformats.org/markup-compatibility/2006" xmlns:p14="http://schemas.microsoft.com/office/powerpoint/2010/main">
+    <mc:Choice Requires="p14">
       <p:transition spd="slow" p14:dur="2000"/>
     </mc:Choice>
-    <mc:Fallback>
+    <mc:Fallback xmlns="">
       <p:transition spd="slow"/>
     </mc:Fallback>
   </mc:AlternateContent>
-</p:sld>
-</file>
-
-<file path=ppt/slides/slide8.xml><?xml version="1.0" encoding="utf-8"?>
-<p:sld xmlns:a="http://schemas.openxmlformats.org/drawingml/2006/main" xmlns:r="http://schemas.openxmlformats.org/officeDocument/2006/relationships" xmlns:p="http://schemas.openxmlformats.org/presentationml/2006/main">
-  <p:cSld>
-    <p:spTree>
-      <p:nvGrpSpPr>
-        <p:cNvPr id="1" name=""/>
-        <p:cNvGrpSpPr/>
-        <p:nvPr/>
-      </p:nvGrpSpPr>
-      <p:grpSpPr>
-        <a:xfrm>
-          <a:off x="0" y="0"/>
-          <a:ext cx="0" cy="0"/>
-          <a:chOff x="0" y="0"/>
-          <a:chExt cx="0" cy="0"/>
-        </a:xfrm>
-      </p:grpSpPr>
-      <p:sp>
-        <p:nvSpPr>
-          <p:cNvPr id="2" name="1 CuadroTexto"/>
-          <p:cNvSpPr txBox="1"/>
-          <p:nvPr/>
-        </p:nvSpPr>
-        <p:spPr>
-          <a:xfrm>
-            <a:off x="670570" y="395461"/>
-            <a:ext cx="3401893" cy="1015663"/>
-          </a:xfrm>
-          <a:prstGeom prst="rect">
-            <a:avLst/>
-          </a:prstGeom>
-          <a:noFill/>
-        </p:spPr>
-        <p:txBody>
-          <a:bodyPr wrap="none" rtlCol="0">
-            <a:spAutoFit/>
-          </a:bodyPr>
-          <a:lstStyle/>
-          <a:p>
-            <a:pPr algn="ctr"/>
-            <a:r>
-              <a:rPr lang="x-none" sz="6000" smtClean="0">
-                <a:solidFill>
-                  <a:schemeClr val="bg1"/>
-                </a:solidFill>
-                <a:latin typeface="Source Sans Pro Light"/>
-              </a:rPr>
-              <a:t>Progreso</a:t>
-            </a:r>
-            <a:r>
-              <a:rPr lang="es-CL" sz="6000" dirty="0" smtClean="0">
-                <a:solidFill>
-                  <a:schemeClr val="bg1"/>
-                </a:solidFill>
-                <a:latin typeface="Source Sans Pro Light"/>
-              </a:rPr>
-              <a:t>.</a:t>
-            </a:r>
-            <a:endParaRPr lang="es-CL" sz="6000" dirty="0">
-              <a:solidFill>
-                <a:schemeClr val="bg1"/>
-              </a:solidFill>
-              <a:latin typeface="Source Sans Pro Light"/>
-            </a:endParaRPr>
-          </a:p>
-        </p:txBody>
-      </p:sp>
-      <p:pic>
-        <p:nvPicPr>
-          <p:cNvPr id="2050" name="Picture 2" descr="C:\Users\SAMUEL\Desktop\DVkCEKhiQs6C2AcwNKsnQA.png"/>
-          <p:cNvPicPr>
-            <a:picLocks noChangeAspect="1" noChangeArrowheads="1"/>
-          </p:cNvPicPr>
-          <p:nvPr/>
-        </p:nvPicPr>
-        <p:blipFill>
-          <a:blip r:embed="rId2">
-            <a:extLst>
-              <a:ext uri="{28A0092B-C50C-407E-A947-70E740481C1C}">
-                <a14:useLocalDpi xmlns:a14="http://schemas.microsoft.com/office/drawing/2010/main" val="0"/>
-              </a:ext>
-            </a:extLst>
-          </a:blip>
-          <a:srcRect/>
-          <a:stretch>
-            <a:fillRect/>
-          </a:stretch>
-        </p:blipFill>
-        <p:spPr bwMode="auto">
-          <a:xfrm>
-            <a:off x="-1" y="2267668"/>
-            <a:ext cx="11998326" cy="1385727"/>
-          </a:xfrm>
-          <a:prstGeom prst="rect">
-            <a:avLst/>
-          </a:prstGeom>
-          <a:noFill/>
-          <a:extLst>
-            <a:ext uri="{909E8E84-426E-40DD-AFC4-6F175D3DCCD1}">
-              <a14:hiddenFill xmlns:a14="http://schemas.microsoft.com/office/drawing/2010/main">
-                <a:solidFill>
-                  <a:srgbClr val="FFFFFF"/>
-                </a:solidFill>
-              </a14:hiddenFill>
-            </a:ext>
-          </a:extLst>
-        </p:spPr>
-      </p:pic>
-    </p:spTree>
-    <p:extLst>
-      <p:ext uri="{BB962C8B-B14F-4D97-AF65-F5344CB8AC3E}">
-        <p14:creationId xmlns:p14="http://schemas.microsoft.com/office/powerpoint/2010/main" val="524606782"/>
-      </p:ext>
-    </p:extLst>
-  </p:cSld>
-  <p:clrMapOvr>
-    <a:masterClrMapping/>
-  </p:clrMapOvr>
-  <mc:AlternateContent xmlns:mc="http://schemas.openxmlformats.org/markup-compatibility/2006">
-    <mc:Choice xmlns:p14="http://schemas.microsoft.com/office/powerpoint/2010/main" Requires="p14">
-      <p:transition spd="slow" p14:dur="2000"/>
-    </mc:Choice>
-    <mc:Fallback>
-      <p:transition spd="slow"/>
-    </mc:Fallback>
-  </mc:AlternateContent>
-</p:sld>
-</file>
-
-<file path=ppt/slides/slide9.xml><?xml version="1.0" encoding="utf-8"?>
-<p:sld xmlns:a="http://schemas.openxmlformats.org/drawingml/2006/main" xmlns:r="http://schemas.openxmlformats.org/officeDocument/2006/relationships" xmlns:p="http://schemas.openxmlformats.org/presentationml/2006/main">
-  <p:cSld>
-    <p:spTree>
-      <p:nvGrpSpPr>
-        <p:cNvPr id="1" name=""/>
-        <p:cNvGrpSpPr/>
-        <p:nvPr/>
-      </p:nvGrpSpPr>
-      <p:grpSpPr>
-        <a:xfrm>
-          <a:off x="0" y="0"/>
-          <a:ext cx="0" cy="0"/>
-          <a:chOff x="0" y="0"/>
-          <a:chExt cx="0" cy="0"/>
-        </a:xfrm>
-      </p:grpSpPr>
-      <p:sp>
-        <p:nvSpPr>
-          <p:cNvPr id="2" name="1 CuadroTexto"/>
-          <p:cNvSpPr txBox="1"/>
-          <p:nvPr/>
-        </p:nvSpPr>
-        <p:spPr>
-          <a:xfrm>
-            <a:off x="814586" y="395461"/>
-            <a:ext cx="3401893" cy="1015663"/>
-          </a:xfrm>
-          <a:prstGeom prst="rect">
-            <a:avLst/>
-          </a:prstGeom>
-          <a:noFill/>
-        </p:spPr>
-        <p:txBody>
-          <a:bodyPr wrap="none" rtlCol="0">
-            <a:spAutoFit/>
-          </a:bodyPr>
-          <a:lstStyle/>
-          <a:p>
-            <a:r>
-              <a:rPr lang="es-CL" sz="6000" dirty="0" smtClean="0">
-                <a:solidFill>
-                  <a:schemeClr val="bg1"/>
-                </a:solidFill>
-                <a:latin typeface="Source Sans Pro Light"/>
-              </a:rPr>
-              <a:t>Progreso.</a:t>
-            </a:r>
-            <a:endParaRPr lang="es-CL" sz="6000" dirty="0">
-              <a:solidFill>
-                <a:schemeClr val="bg1"/>
-              </a:solidFill>
-              <a:latin typeface="Source Sans Pro Light"/>
-            </a:endParaRPr>
-          </a:p>
-        </p:txBody>
-      </p:sp>
-      <p:pic>
-        <p:nvPicPr>
-          <p:cNvPr id="3074" name="Picture 2" descr="C:\Users\SAMUEL\Desktop\Relacion tablas bd integracion.png"/>
-          <p:cNvPicPr>
-            <a:picLocks noChangeAspect="1" noChangeArrowheads="1"/>
-          </p:cNvPicPr>
-          <p:nvPr/>
-        </p:nvPicPr>
-        <p:blipFill>
-          <a:blip r:embed="rId2">
-            <a:extLst>
-              <a:ext uri="{28A0092B-C50C-407E-A947-70E740481C1C}">
-                <a14:useLocalDpi xmlns:a14="http://schemas.microsoft.com/office/drawing/2010/main" val="0"/>
-              </a:ext>
-            </a:extLst>
-          </a:blip>
-          <a:srcRect/>
-          <a:stretch>
-            <a:fillRect/>
-          </a:stretch>
-        </p:blipFill>
-        <p:spPr bwMode="auto">
-          <a:xfrm>
-            <a:off x="454546" y="1691605"/>
-            <a:ext cx="10369152" cy="5271335"/>
-          </a:xfrm>
-          <a:prstGeom prst="rect">
-            <a:avLst/>
-          </a:prstGeom>
-          <a:noFill/>
-          <a:extLst>
-            <a:ext uri="{909E8E84-426E-40DD-AFC4-6F175D3DCCD1}">
-              <a14:hiddenFill xmlns:a14="http://schemas.microsoft.com/office/drawing/2010/main">
-                <a:solidFill>
-                  <a:srgbClr val="FFFFFF"/>
-                </a:solidFill>
-              </a14:hiddenFill>
-            </a:ext>
-          </a:extLst>
-        </p:spPr>
-      </p:pic>
-    </p:spTree>
-    <p:extLst>
-      <p:ext uri="{BB962C8B-B14F-4D97-AF65-F5344CB8AC3E}">
-        <p14:creationId xmlns:p14="http://schemas.microsoft.com/office/powerpoint/2010/main" val="836849443"/>
-      </p:ext>
-    </p:extLst>
-  </p:cSld>
-  <p:clrMapOvr>
-    <a:masterClrMapping/>
-  </p:clrMapOvr>
-  <mc:AlternateContent xmlns:mc="http://schemas.openxmlformats.org/markup-compatibility/2006">
-    <mc:Choice xmlns:p14="http://schemas.microsoft.com/office/powerpoint/2010/main" Requires="p14">
-      <p:transition spd="slow" p14:dur="2000"/>
-    </mc:Choice>
-    <mc:Fallback>
-      <p:transition spd="slow"/>
-    </mc:Fallback>
-  </mc:AlternateContent>
+  <p:timing>
+    <p:tnLst>
+      <p:par>
+        <p:cTn id="1" dur="indefinite" restart="never" nodeType="tmRoot"/>
+      </p:par>
+    </p:tnLst>
+  </p:timing>
 </p:sld>
 </file>
 
